--- a/Math/figures/figure.pptx
+++ b/Math/figures/figure.pptx
@@ -21,6 +21,7 @@
     <p:sldId id="267" r:id="rId15"/>
     <p:sldId id="269" r:id="rId16"/>
     <p:sldId id="270" r:id="rId17"/>
+    <p:sldId id="274" r:id="rId18"/>
   </p:sldIdLst>
   <p:sldSz cx="10799763" cy="10799763"/>
   <p:notesSz cx="6797675" cy="9926638"/>
@@ -136,6 +137,735 @@
     </p:ext>
   </p:extLst>
 </p:presentation>
+</file>
+
+<file path=ppt/charts/chartEx1.xml><?xml version="1.0" encoding="utf-8"?>
+<cx:chartSpace xmlns:a="http://schemas.openxmlformats.org/drawingml/2006/main" xmlns:r="http://schemas.openxmlformats.org/officeDocument/2006/relationships" xmlns:cx="http://schemas.microsoft.com/office/drawing/2014/chartex">
+  <cx:chartData>
+    <cx:externalData r:id="rId1" cx:autoUpdate="0"/>
+    <cx:data id="0">
+      <cx:strDim type="cat">
+        <cx:f>Sheet1!$A$2:$A$32</cx:f>
+        <cx:lvl ptCount="31">
+          <cx:pt idx="0">水準1</cx:pt>
+          <cx:pt idx="1">水準1</cx:pt>
+          <cx:pt idx="2">水準1</cx:pt>
+          <cx:pt idx="3">水準1</cx:pt>
+          <cx:pt idx="4">水準1</cx:pt>
+          <cx:pt idx="5">水準1</cx:pt>
+          <cx:pt idx="6">水準1</cx:pt>
+          <cx:pt idx="7">水準1</cx:pt>
+          <cx:pt idx="8">水準1</cx:pt>
+          <cx:pt idx="9">水準2</cx:pt>
+          <cx:pt idx="10">水準2</cx:pt>
+          <cx:pt idx="11">水準2</cx:pt>
+          <cx:pt idx="12">水準2</cx:pt>
+          <cx:pt idx="13">水準2</cx:pt>
+          <cx:pt idx="14">水準2</cx:pt>
+          <cx:pt idx="15">水準2</cx:pt>
+          <cx:pt idx="16">水準3</cx:pt>
+          <cx:pt idx="17">水準3</cx:pt>
+          <cx:pt idx="18">水準3</cx:pt>
+          <cx:pt idx="19">水準3</cx:pt>
+          <cx:pt idx="20">水準3</cx:pt>
+          <cx:pt idx="21">水準3</cx:pt>
+          <cx:pt idx="22">水準4</cx:pt>
+          <cx:pt idx="23">水準4</cx:pt>
+          <cx:pt idx="24">水準4</cx:pt>
+          <cx:pt idx="25">水準4</cx:pt>
+          <cx:pt idx="26">水準4</cx:pt>
+          <cx:pt idx="27">水準4</cx:pt>
+          <cx:pt idx="28">水準4</cx:pt>
+          <cx:pt idx="29">水準4</cx:pt>
+          <cx:pt idx="30">水準4</cx:pt>
+        </cx:lvl>
+      </cx:strDim>
+      <cx:numDim type="val">
+        <cx:f>Sheet1!$B$2:$B$32</cx:f>
+        <cx:lvl ptCount="31" formatCode="G/標準">
+          <cx:pt idx="0">-7</cx:pt>
+          <cx:pt idx="1">-10</cx:pt>
+          <cx:pt idx="2">-28</cx:pt>
+          <cx:pt idx="3">47</cx:pt>
+          <cx:pt idx="4">11</cx:pt>
+          <cx:pt idx="5">-24</cx:pt>
+          <cx:pt idx="6">-24</cx:pt>
+          <cx:pt idx="7">36</cx:pt>
+          <cx:pt idx="8">10</cx:pt>
+          <cx:pt idx="9">-78</cx:pt>
+          <cx:pt idx="10">47</cx:pt>
+          <cx:pt idx="11">-24</cx:pt>
+          <cx:pt idx="12">-17</cx:pt>
+          <cx:pt idx="13">-12</cx:pt>
+          <cx:pt idx="14">-11</cx:pt>
+          <cx:pt idx="15">17</cx:pt>
+          <cx:pt idx="16">14</cx:pt>
+          <cx:pt idx="17">46</cx:pt>
+          <cx:pt idx="18">-18</cx:pt>
+          <cx:pt idx="19">19</cx:pt>
+          <cx:pt idx="20">-26</cx:pt>
+          <cx:pt idx="21">-20</cx:pt>
+          <cx:pt idx="22">10</cx:pt>
+          <cx:pt idx="23">15</cx:pt>
+          <cx:pt idx="24">20</cx:pt>
+          <cx:pt idx="25">7</cx:pt>
+          <cx:pt idx="26">13</cx:pt>
+          <cx:pt idx="27">19</cx:pt>
+          <cx:pt idx="28">31</cx:pt>
+          <cx:pt idx="29">46</cx:pt>
+          <cx:pt idx="30">27</cx:pt>
+        </cx:lvl>
+      </cx:numDim>
+    </cx:data>
+  </cx:chartData>
+  <cx:chart>
+    <cx:title pos="t" align="ctr" overlay="0">
+      <cx:tx>
+        <cx:rich>
+          <a:bodyPr spcFirstLastPara="1" vertOverflow="ellipsis" horzOverflow="overflow" wrap="square" lIns="0" tIns="0" rIns="0" bIns="0" anchor="ctr" anchorCtr="1"/>
+          <a:lstStyle/>
+          <a:p>
+            <a:pPr algn="ctr" rtl="0">
+              <a:defRPr/>
+            </a:pPr>
+            <a:r>
+              <a:rPr lang="ja-JP" altLang="en-US" sz="2800" b="0" i="0" u="none" strike="noStrike" baseline="0" dirty="0">
+                <a:solidFill>
+                  <a:prstClr val="black">
+                    <a:lumMod val="65000"/>
+                    <a:lumOff val="35000"/>
+                  </a:prstClr>
+                </a:solidFill>
+                <a:latin typeface="Calibri" panose="020F0502020204030204"/>
+                <a:ea typeface="游ゴシック" panose="020B0400000000000000" pitchFamily="50" charset="-128"/>
+              </a:rPr>
+              <a:t>因子</a:t>
+            </a:r>
+            <a:r>
+              <a:rPr lang="en-US" altLang="ja-JP" sz="2800" b="0" i="0" u="none" strike="noStrike" baseline="0" dirty="0">
+                <a:solidFill>
+                  <a:prstClr val="black">
+                    <a:lumMod val="65000"/>
+                    <a:lumOff val="35000"/>
+                  </a:prstClr>
+                </a:solidFill>
+                <a:latin typeface="Calibri" panose="020F0502020204030204"/>
+                <a:ea typeface="游ゴシック" panose="020B0400000000000000" pitchFamily="50" charset="-128"/>
+              </a:rPr>
+              <a:t>A</a:t>
+            </a:r>
+            <a:r>
+              <a:rPr lang="ja-JP" altLang="en-US" sz="2800" b="0" i="0" u="none" strike="noStrike" baseline="0" dirty="0">
+                <a:solidFill>
+                  <a:prstClr val="black">
+                    <a:lumMod val="65000"/>
+                    <a:lumOff val="35000"/>
+                  </a:prstClr>
+                </a:solidFill>
+                <a:latin typeface="Calibri" panose="020F0502020204030204"/>
+                <a:ea typeface="游ゴシック" panose="020B0400000000000000" pitchFamily="50" charset="-128"/>
+              </a:rPr>
+              <a:t>の各水準データ</a:t>
+            </a:r>
+          </a:p>
+        </cx:rich>
+      </cx:tx>
+    </cx:title>
+    <cx:plotArea>
+      <cx:plotAreaRegion>
+        <cx:series layoutId="boxWhisker" uniqueId="{D9AD487E-3535-4CC5-9752-BE76CF8452E9}">
+          <cx:dataId val="0"/>
+          <cx:layoutPr>
+            <cx:statistics quartileMethod="exclusive"/>
+          </cx:layoutPr>
+        </cx:series>
+      </cx:plotAreaRegion>
+      <cx:axis id="0">
+        <cx:catScaling gapWidth="1"/>
+        <cx:tickLabels/>
+        <cx:txPr>
+          <a:bodyPr spcFirstLastPara="1" vertOverflow="ellipsis" horzOverflow="overflow" wrap="square" lIns="0" tIns="0" rIns="0" bIns="0" anchor="ctr" anchorCtr="1"/>
+          <a:lstStyle/>
+          <a:p>
+            <a:pPr algn="ctr" rtl="0">
+              <a:defRPr sz="2000"/>
+            </a:pPr>
+            <a:endParaRPr lang="ja-JP" altLang="en-US" sz="2000" b="0" i="0" u="none" strike="noStrike" baseline="0">
+              <a:solidFill>
+                <a:prstClr val="black">
+                  <a:lumMod val="65000"/>
+                  <a:lumOff val="35000"/>
+                </a:prstClr>
+              </a:solidFill>
+              <a:latin typeface="Calibri" panose="020F0502020204030204"/>
+              <a:ea typeface="游ゴシック" panose="020B0400000000000000" pitchFamily="50" charset="-128"/>
+            </a:endParaRPr>
+          </a:p>
+        </cx:txPr>
+      </cx:axis>
+      <cx:axis id="1">
+        <cx:valScaling/>
+        <cx:majorGridlines/>
+        <cx:tickLabels/>
+      </cx:axis>
+    </cx:plotArea>
+  </cx:chart>
+</cx:chartSpace>
+</file>
+
+<file path=ppt/charts/colors1.xml><?xml version="1.0" encoding="utf-8"?>
+<cs:colorStyle xmlns:cs="http://schemas.microsoft.com/office/drawing/2012/chartStyle" xmlns:a="http://schemas.openxmlformats.org/drawingml/2006/main" meth="cycle" id="10">
+  <a:schemeClr val="accent1"/>
+  <a:schemeClr val="accent2"/>
+  <a:schemeClr val="accent3"/>
+  <a:schemeClr val="accent4"/>
+  <a:schemeClr val="accent5"/>
+  <a:schemeClr val="accent6"/>
+  <cs:variation/>
+  <cs:variation>
+    <a:lumMod val="60000"/>
+  </cs:variation>
+  <cs:variation>
+    <a:lumMod val="80000"/>
+    <a:lumOff val="20000"/>
+  </cs:variation>
+  <cs:variation>
+    <a:lumMod val="80000"/>
+  </cs:variation>
+  <cs:variation>
+    <a:lumMod val="60000"/>
+    <a:lumOff val="40000"/>
+  </cs:variation>
+  <cs:variation>
+    <a:lumMod val="50000"/>
+  </cs:variation>
+  <cs:variation>
+    <a:lumMod val="70000"/>
+    <a:lumOff val="30000"/>
+  </cs:variation>
+  <cs:variation>
+    <a:lumMod val="70000"/>
+  </cs:variation>
+  <cs:variation>
+    <a:lumMod val="50000"/>
+    <a:lumOff val="50000"/>
+  </cs:variation>
+</cs:colorStyle>
+</file>
+
+<file path=ppt/charts/style1.xml><?xml version="1.0" encoding="utf-8"?>
+<cs:chartStyle xmlns:cs="http://schemas.microsoft.com/office/drawing/2012/chartStyle" xmlns:a="http://schemas.openxmlformats.org/drawingml/2006/main" id="406">
+  <cs:axisTitle>
+    <cs:lnRef idx="0"/>
+    <cs:fillRef idx="0"/>
+    <cs:effectRef idx="0"/>
+    <cs:fontRef idx="minor">
+      <a:schemeClr val="tx1">
+        <a:lumMod val="65000"/>
+        <a:lumOff val="35000"/>
+      </a:schemeClr>
+    </cs:fontRef>
+    <cs:defRPr sz="1197"/>
+  </cs:axisTitle>
+  <cs:categoryAxis>
+    <cs:lnRef idx="0"/>
+    <cs:fillRef idx="0"/>
+    <cs:effectRef idx="0"/>
+    <cs:fontRef idx="minor">
+      <a:schemeClr val="tx1">
+        <a:lumMod val="65000"/>
+        <a:lumOff val="35000"/>
+      </a:schemeClr>
+    </cs:fontRef>
+    <cs:spPr>
+      <a:ln w="9525" cap="flat" cmpd="sng" algn="ctr">
+        <a:solidFill>
+          <a:schemeClr val="tx1">
+            <a:lumMod val="15000"/>
+            <a:lumOff val="85000"/>
+          </a:schemeClr>
+        </a:solidFill>
+        <a:round/>
+      </a:ln>
+    </cs:spPr>
+    <cs:defRPr sz="1197"/>
+  </cs:categoryAxis>
+  <cs:chartArea mods="allowNoFillOverride allowNoLineOverride">
+    <cs:lnRef idx="0"/>
+    <cs:fillRef idx="0"/>
+    <cs:effectRef idx="0"/>
+    <cs:fontRef idx="minor">
+      <a:schemeClr val="tx1"/>
+    </cs:fontRef>
+    <cs:spPr>
+      <a:solidFill>
+        <a:schemeClr val="bg1"/>
+      </a:solidFill>
+      <a:ln w="9525" cap="flat" cmpd="sng" algn="ctr">
+        <a:solidFill>
+          <a:schemeClr val="tx1">
+            <a:lumMod val="15000"/>
+            <a:lumOff val="85000"/>
+          </a:schemeClr>
+        </a:solidFill>
+        <a:round/>
+      </a:ln>
+    </cs:spPr>
+    <cs:defRPr sz="1330"/>
+  </cs:chartArea>
+  <cs:dataLabel>
+    <cs:lnRef idx="0"/>
+    <cs:fillRef idx="0"/>
+    <cs:effectRef idx="0"/>
+    <cs:fontRef idx="minor">
+      <a:schemeClr val="tx1">
+        <a:lumMod val="65000"/>
+        <a:lumOff val="35000"/>
+      </a:schemeClr>
+    </cs:fontRef>
+    <cs:defRPr sz="1197"/>
+  </cs:dataLabel>
+  <cs:dataLabelCallout>
+    <cs:lnRef idx="0"/>
+    <cs:fillRef idx="0"/>
+    <cs:effectRef idx="0"/>
+    <cs:fontRef idx="minor">
+      <a:schemeClr val="dk1">
+        <a:lumMod val="65000"/>
+        <a:lumOff val="35000"/>
+      </a:schemeClr>
+    </cs:fontRef>
+    <cs:spPr>
+      <a:solidFill>
+        <a:schemeClr val="lt1"/>
+      </a:solidFill>
+      <a:ln>
+        <a:solidFill>
+          <a:schemeClr val="dk1">
+            <a:lumMod val="25000"/>
+            <a:lumOff val="75000"/>
+          </a:schemeClr>
+        </a:solidFill>
+      </a:ln>
+    </cs:spPr>
+    <cs:defRPr sz="1197"/>
+    <cs:bodyPr rot="0" spcFirstLastPara="1" vertOverflow="clip" horzOverflow="clip" vert="horz" wrap="square" lIns="36576" tIns="18288" rIns="36576" bIns="18288" anchor="ctr" anchorCtr="1">
+      <a:spAutoFit/>
+    </cs:bodyPr>
+  </cs:dataLabelCallout>
+  <cs:dataPoint>
+    <cs:lnRef idx="0">
+      <cs:styleClr val="auto"/>
+    </cs:lnRef>
+    <cs:fillRef idx="0">
+      <cs:styleClr val="auto"/>
+    </cs:fillRef>
+    <cs:effectRef idx="0"/>
+    <cs:fontRef idx="minor">
+      <a:schemeClr val="tx1"/>
+    </cs:fontRef>
+    <cs:spPr>
+      <a:solidFill>
+        <a:schemeClr val="phClr"/>
+      </a:solidFill>
+      <a:ln>
+        <a:solidFill>
+          <a:schemeClr val="phClr"/>
+        </a:solidFill>
+      </a:ln>
+    </cs:spPr>
+  </cs:dataPoint>
+  <cs:dataPoint3D>
+    <cs:lnRef idx="0"/>
+    <cs:fillRef idx="0">
+      <cs:styleClr val="auto"/>
+    </cs:fillRef>
+    <cs:effectRef idx="0"/>
+    <cs:fontRef idx="minor">
+      <a:schemeClr val="tx1"/>
+    </cs:fontRef>
+    <cs:spPr>
+      <a:solidFill>
+        <a:schemeClr val="phClr"/>
+      </a:solidFill>
+    </cs:spPr>
+  </cs:dataPoint3D>
+  <cs:dataPointLine>
+    <cs:lnRef idx="0">
+      <cs:styleClr val="auto"/>
+    </cs:lnRef>
+    <cs:fillRef idx="0"/>
+    <cs:effectRef idx="0"/>
+    <cs:fontRef idx="minor">
+      <a:schemeClr val="tx1"/>
+    </cs:fontRef>
+    <cs:spPr>
+      <a:ln w="28575" cap="rnd">
+        <a:solidFill>
+          <a:schemeClr val="phClr"/>
+        </a:solidFill>
+        <a:round/>
+      </a:ln>
+    </cs:spPr>
+  </cs:dataPointLine>
+  <cs:dataPointMarker>
+    <cs:lnRef idx="0"/>
+    <cs:fillRef idx="0">
+      <cs:styleClr val="auto"/>
+    </cs:fillRef>
+    <cs:effectRef idx="0"/>
+    <cs:fontRef idx="minor">
+      <a:schemeClr val="tx1"/>
+    </cs:fontRef>
+    <cs:spPr>
+      <a:solidFill>
+        <a:schemeClr val="phClr"/>
+      </a:solidFill>
+      <a:ln w="9525">
+        <a:solidFill>
+          <a:schemeClr val="lt1"/>
+        </a:solidFill>
+      </a:ln>
+    </cs:spPr>
+  </cs:dataPointMarker>
+  <cs:dataPointMarkerLayout symbol="circle" size="5"/>
+  <cs:dataPointWireframe>
+    <cs:lnRef idx="0">
+      <cs:styleClr val="auto"/>
+    </cs:lnRef>
+    <cs:fillRef idx="0"/>
+    <cs:effectRef idx="0"/>
+    <cs:fontRef idx="minor">
+      <a:schemeClr val="tx1"/>
+    </cs:fontRef>
+    <cs:spPr>
+      <a:ln w="28575" cap="rnd">
+        <a:solidFill>
+          <a:schemeClr val="phClr"/>
+        </a:solidFill>
+        <a:round/>
+      </a:ln>
+    </cs:spPr>
+  </cs:dataPointWireframe>
+  <cs:dataTable>
+    <cs:lnRef idx="0"/>
+    <cs:fillRef idx="0"/>
+    <cs:effectRef idx="0"/>
+    <cs:fontRef idx="minor">
+      <a:schemeClr val="tx1">
+        <a:lumMod val="65000"/>
+        <a:lumOff val="35000"/>
+      </a:schemeClr>
+    </cs:fontRef>
+    <cs:spPr>
+      <a:ln w="9525">
+        <a:solidFill>
+          <a:schemeClr val="tx1">
+            <a:lumMod val="15000"/>
+            <a:lumOff val="85000"/>
+          </a:schemeClr>
+        </a:solidFill>
+      </a:ln>
+    </cs:spPr>
+    <cs:defRPr sz="1197"/>
+  </cs:dataTable>
+  <cs:downBar>
+    <cs:lnRef idx="0"/>
+    <cs:fillRef idx="0"/>
+    <cs:effectRef idx="0"/>
+    <cs:fontRef idx="minor">
+      <a:schemeClr val="dk1"/>
+    </cs:fontRef>
+    <cs:spPr>
+      <a:solidFill>
+        <a:schemeClr val="dk1">
+          <a:lumMod val="65000"/>
+          <a:lumOff val="35000"/>
+        </a:schemeClr>
+      </a:solidFill>
+      <a:ln w="9525">
+        <a:solidFill>
+          <a:schemeClr val="tx1">
+            <a:lumMod val="65000"/>
+            <a:lumOff val="35000"/>
+          </a:schemeClr>
+        </a:solidFill>
+      </a:ln>
+    </cs:spPr>
+  </cs:downBar>
+  <cs:dropLine>
+    <cs:lnRef idx="0"/>
+    <cs:fillRef idx="0"/>
+    <cs:effectRef idx="0"/>
+    <cs:fontRef idx="minor">
+      <a:schemeClr val="tx1"/>
+    </cs:fontRef>
+    <cs:spPr>
+      <a:ln w="9525" cap="flat" cmpd="sng" algn="ctr">
+        <a:solidFill>
+          <a:schemeClr val="tx1">
+            <a:lumMod val="35000"/>
+            <a:lumOff val="65000"/>
+          </a:schemeClr>
+        </a:solidFill>
+        <a:round/>
+      </a:ln>
+    </cs:spPr>
+  </cs:dropLine>
+  <cs:errorBar>
+    <cs:lnRef idx="0"/>
+    <cs:fillRef idx="0"/>
+    <cs:effectRef idx="0"/>
+    <cs:fontRef idx="minor">
+      <a:schemeClr val="tx1"/>
+    </cs:fontRef>
+    <cs:spPr>
+      <a:ln w="9525" cap="flat" cmpd="sng" algn="ctr">
+        <a:solidFill>
+          <a:schemeClr val="tx1">
+            <a:lumMod val="65000"/>
+            <a:lumOff val="35000"/>
+          </a:schemeClr>
+        </a:solidFill>
+        <a:round/>
+      </a:ln>
+    </cs:spPr>
+  </cs:errorBar>
+  <cs:floor>
+    <cs:lnRef idx="0"/>
+    <cs:fillRef idx="0"/>
+    <cs:effectRef idx="0"/>
+    <cs:fontRef idx="minor">
+      <a:schemeClr val="tx1"/>
+    </cs:fontRef>
+  </cs:floor>
+  <cs:gridlineMajor>
+    <cs:lnRef idx="0"/>
+    <cs:fillRef idx="0"/>
+    <cs:effectRef idx="0"/>
+    <cs:fontRef idx="minor">
+      <a:schemeClr val="tx1"/>
+    </cs:fontRef>
+    <cs:spPr>
+      <a:ln w="9525" cap="flat" cmpd="sng" algn="ctr">
+        <a:solidFill>
+          <a:schemeClr val="tx1">
+            <a:lumMod val="15000"/>
+            <a:lumOff val="85000"/>
+          </a:schemeClr>
+        </a:solidFill>
+        <a:round/>
+      </a:ln>
+    </cs:spPr>
+  </cs:gridlineMajor>
+  <cs:gridlineMinor>
+    <cs:lnRef idx="0"/>
+    <cs:fillRef idx="0"/>
+    <cs:effectRef idx="0"/>
+    <cs:fontRef idx="minor">
+      <a:schemeClr val="tx1"/>
+    </cs:fontRef>
+    <cs:spPr>
+      <a:ln w="9525" cap="flat" cmpd="sng" algn="ctr">
+        <a:solidFill>
+          <a:schemeClr val="tx1">
+            <a:lumMod val="15000"/>
+            <a:lumOff val="85000"/>
+          </a:schemeClr>
+        </a:solidFill>
+        <a:round/>
+      </a:ln>
+    </cs:spPr>
+  </cs:gridlineMinor>
+  <cs:hiLoLine>
+    <cs:lnRef idx="0"/>
+    <cs:fillRef idx="0"/>
+    <cs:effectRef idx="0"/>
+    <cs:fontRef idx="minor">
+      <a:schemeClr val="tx1"/>
+    </cs:fontRef>
+    <cs:spPr>
+      <a:ln w="9525" cap="flat" cmpd="sng" algn="ctr">
+        <a:solidFill>
+          <a:schemeClr val="tx1">
+            <a:lumMod val="75000"/>
+            <a:lumOff val="25000"/>
+          </a:schemeClr>
+        </a:solidFill>
+        <a:round/>
+      </a:ln>
+    </cs:spPr>
+  </cs:hiLoLine>
+  <cs:leaderLine>
+    <cs:lnRef idx="0"/>
+    <cs:fillRef idx="0"/>
+    <cs:effectRef idx="0"/>
+    <cs:fontRef idx="minor">
+      <a:schemeClr val="tx1"/>
+    </cs:fontRef>
+    <cs:spPr>
+      <a:ln w="9525" cap="flat" cmpd="sng" algn="ctr">
+        <a:solidFill>
+          <a:schemeClr val="tx1">
+            <a:lumMod val="35000"/>
+            <a:lumOff val="65000"/>
+          </a:schemeClr>
+        </a:solidFill>
+        <a:round/>
+      </a:ln>
+    </cs:spPr>
+  </cs:leaderLine>
+  <cs:legend>
+    <cs:lnRef idx="0"/>
+    <cs:fillRef idx="0"/>
+    <cs:effectRef idx="0"/>
+    <cs:fontRef idx="minor">
+      <a:schemeClr val="tx1">
+        <a:lumMod val="65000"/>
+        <a:lumOff val="35000"/>
+      </a:schemeClr>
+    </cs:fontRef>
+    <cs:defRPr sz="1197"/>
+  </cs:legend>
+  <cs:plotArea mods="allowNoFillOverride allowNoLineOverride">
+    <cs:lnRef idx="0"/>
+    <cs:fillRef idx="0"/>
+    <cs:effectRef idx="0"/>
+    <cs:fontRef idx="minor">
+      <a:schemeClr val="tx1"/>
+    </cs:fontRef>
+  </cs:plotArea>
+  <cs:plotArea3D mods="allowNoFillOverride allowNoLineOverride">
+    <cs:lnRef idx="0"/>
+    <cs:fillRef idx="0"/>
+    <cs:effectRef idx="0"/>
+    <cs:fontRef idx="minor">
+      <a:schemeClr val="tx1"/>
+    </cs:fontRef>
+  </cs:plotArea3D>
+  <cs:seriesAxis>
+    <cs:lnRef idx="0"/>
+    <cs:fillRef idx="0"/>
+    <cs:effectRef idx="0"/>
+    <cs:fontRef idx="minor">
+      <a:schemeClr val="tx1">
+        <a:lumMod val="65000"/>
+        <a:lumOff val="35000"/>
+      </a:schemeClr>
+    </cs:fontRef>
+    <cs:spPr>
+      <a:ln w="9525" cap="flat" cmpd="sng" algn="ctr">
+        <a:solidFill>
+          <a:schemeClr val="tx1">
+            <a:lumMod val="15000"/>
+            <a:lumOff val="85000"/>
+          </a:schemeClr>
+        </a:solidFill>
+        <a:round/>
+      </a:ln>
+    </cs:spPr>
+    <cs:defRPr sz="1197"/>
+  </cs:seriesAxis>
+  <cs:seriesLine>
+    <cs:lnRef idx="0"/>
+    <cs:fillRef idx="0"/>
+    <cs:effectRef idx="0"/>
+    <cs:fontRef idx="minor">
+      <a:schemeClr val="tx1"/>
+    </cs:fontRef>
+    <cs:spPr>
+      <a:ln w="9525" cap="flat">
+        <a:solidFill>
+          <a:srgbClr val="D9D9D9"/>
+        </a:solidFill>
+        <a:round/>
+      </a:ln>
+    </cs:spPr>
+  </cs:seriesLine>
+  <cs:title>
+    <cs:lnRef idx="0"/>
+    <cs:fillRef idx="0"/>
+    <cs:effectRef idx="0"/>
+    <cs:fontRef idx="minor">
+      <a:schemeClr val="tx1">
+        <a:lumMod val="65000"/>
+        <a:lumOff val="35000"/>
+      </a:schemeClr>
+    </cs:fontRef>
+    <cs:defRPr sz="1862"/>
+  </cs:title>
+  <cs:trendline>
+    <cs:lnRef idx="0">
+      <cs:styleClr val="auto"/>
+    </cs:lnRef>
+    <cs:fillRef idx="0"/>
+    <cs:effectRef idx="0"/>
+    <cs:fontRef idx="minor">
+      <a:schemeClr val="tx1"/>
+    </cs:fontRef>
+    <cs:spPr>
+      <a:ln w="19050" cap="rnd">
+        <a:solidFill>
+          <a:schemeClr val="phClr"/>
+        </a:solidFill>
+        <a:prstDash val="sysDash"/>
+      </a:ln>
+    </cs:spPr>
+  </cs:trendline>
+  <cs:trendlineLabel>
+    <cs:lnRef idx="0"/>
+    <cs:fillRef idx="0"/>
+    <cs:effectRef idx="0"/>
+    <cs:fontRef idx="minor">
+      <a:schemeClr val="tx1">
+        <a:lumMod val="65000"/>
+        <a:lumOff val="35000"/>
+      </a:schemeClr>
+    </cs:fontRef>
+    <cs:defRPr sz="1197"/>
+  </cs:trendlineLabel>
+  <cs:upBar>
+    <cs:lnRef idx="0"/>
+    <cs:fillRef idx="0"/>
+    <cs:effectRef idx="0"/>
+    <cs:fontRef idx="minor">
+      <a:schemeClr val="dk1"/>
+    </cs:fontRef>
+    <cs:spPr>
+      <a:solidFill>
+        <a:schemeClr val="lt1"/>
+      </a:solidFill>
+      <a:ln w="9525">
+        <a:solidFill>
+          <a:schemeClr val="tx1">
+            <a:lumMod val="15000"/>
+            <a:lumOff val="85000"/>
+          </a:schemeClr>
+        </a:solidFill>
+      </a:ln>
+    </cs:spPr>
+  </cs:upBar>
+  <cs:valueAxis>
+    <cs:lnRef idx="0"/>
+    <cs:fillRef idx="0"/>
+    <cs:effectRef idx="0"/>
+    <cs:fontRef idx="minor">
+      <a:schemeClr val="tx1">
+        <a:lumMod val="65000"/>
+        <a:lumOff val="35000"/>
+      </a:schemeClr>
+    </cs:fontRef>
+    <cs:defRPr sz="1197"/>
+  </cs:valueAxis>
+  <cs:wall>
+    <cs:lnRef idx="0"/>
+    <cs:fillRef idx="0"/>
+    <cs:effectRef idx="0"/>
+    <cs:fontRef idx="minor">
+      <a:schemeClr val="tx1"/>
+    </cs:fontRef>
+  </cs:wall>
+</cs:chartStyle>
 </file>
 
 <file path=ppt/slideLayouts/slideLayout1.xml><?xml version="1.0" encoding="utf-8"?>
@@ -269,7 +999,7 @@
           <a:p>
             <a:fld id="{D9812761-E0F9-498D-A86D-14F66CBFAB0E}" type="datetimeFigureOut">
               <a:rPr kumimoji="1" lang="ja-JP" altLang="en-US" smtClean="0"/>
-              <a:t>2022/8/31</a:t>
+              <a:t>2022/11/18</a:t>
             </a:fld>
             <a:endParaRPr kumimoji="1" lang="ja-JP" altLang="en-US"/>
           </a:p>
@@ -471,7 +1201,7 @@
           <a:p>
             <a:fld id="{D9812761-E0F9-498D-A86D-14F66CBFAB0E}" type="datetimeFigureOut">
               <a:rPr kumimoji="1" lang="ja-JP" altLang="en-US" smtClean="0"/>
-              <a:t>2022/8/31</a:t>
+              <a:t>2022/11/18</a:t>
             </a:fld>
             <a:endParaRPr kumimoji="1" lang="ja-JP" altLang="en-US"/>
           </a:p>
@@ -683,7 +1413,7 @@
           <a:p>
             <a:fld id="{D9812761-E0F9-498D-A86D-14F66CBFAB0E}" type="datetimeFigureOut">
               <a:rPr kumimoji="1" lang="ja-JP" altLang="en-US" smtClean="0"/>
-              <a:t>2022/8/31</a:t>
+              <a:t>2022/11/18</a:t>
             </a:fld>
             <a:endParaRPr kumimoji="1" lang="ja-JP" altLang="en-US"/>
           </a:p>
@@ -885,7 +1615,7 @@
           <a:p>
             <a:fld id="{D9812761-E0F9-498D-A86D-14F66CBFAB0E}" type="datetimeFigureOut">
               <a:rPr kumimoji="1" lang="ja-JP" altLang="en-US" smtClean="0"/>
-              <a:t>2022/8/31</a:t>
+              <a:t>2022/11/18</a:t>
             </a:fld>
             <a:endParaRPr kumimoji="1" lang="ja-JP" altLang="en-US"/>
           </a:p>
@@ -1129,7 +1859,7 @@
           <a:p>
             <a:fld id="{D9812761-E0F9-498D-A86D-14F66CBFAB0E}" type="datetimeFigureOut">
               <a:rPr kumimoji="1" lang="ja-JP" altLang="en-US" smtClean="0"/>
-              <a:t>2022/8/31</a:t>
+              <a:t>2022/11/18</a:t>
             </a:fld>
             <a:endParaRPr kumimoji="1" lang="ja-JP" altLang="en-US"/>
           </a:p>
@@ -1425,7 +2155,7 @@
           <a:p>
             <a:fld id="{D9812761-E0F9-498D-A86D-14F66CBFAB0E}" type="datetimeFigureOut">
               <a:rPr kumimoji="1" lang="ja-JP" altLang="en-US" smtClean="0"/>
-              <a:t>2022/8/31</a:t>
+              <a:t>2022/11/18</a:t>
             </a:fld>
             <a:endParaRPr kumimoji="1" lang="ja-JP" altLang="en-US"/>
           </a:p>
@@ -1856,7 +2586,7 @@
           <a:p>
             <a:fld id="{D9812761-E0F9-498D-A86D-14F66CBFAB0E}" type="datetimeFigureOut">
               <a:rPr kumimoji="1" lang="ja-JP" altLang="en-US" smtClean="0"/>
-              <a:t>2022/8/31</a:t>
+              <a:t>2022/11/18</a:t>
             </a:fld>
             <a:endParaRPr kumimoji="1" lang="ja-JP" altLang="en-US"/>
           </a:p>
@@ -1974,7 +2704,7 @@
           <a:p>
             <a:fld id="{D9812761-E0F9-498D-A86D-14F66CBFAB0E}" type="datetimeFigureOut">
               <a:rPr kumimoji="1" lang="ja-JP" altLang="en-US" smtClean="0"/>
-              <a:t>2022/8/31</a:t>
+              <a:t>2022/11/18</a:t>
             </a:fld>
             <a:endParaRPr kumimoji="1" lang="ja-JP" altLang="en-US"/>
           </a:p>
@@ -2069,7 +2799,7 @@
           <a:p>
             <a:fld id="{D9812761-E0F9-498D-A86D-14F66CBFAB0E}" type="datetimeFigureOut">
               <a:rPr kumimoji="1" lang="ja-JP" altLang="en-US" smtClean="0"/>
-              <a:t>2022/8/31</a:t>
+              <a:t>2022/11/18</a:t>
             </a:fld>
             <a:endParaRPr kumimoji="1" lang="ja-JP" altLang="en-US"/>
           </a:p>
@@ -2378,7 +3108,7 @@
           <a:p>
             <a:fld id="{D9812761-E0F9-498D-A86D-14F66CBFAB0E}" type="datetimeFigureOut">
               <a:rPr kumimoji="1" lang="ja-JP" altLang="en-US" smtClean="0"/>
-              <a:t>2022/8/31</a:t>
+              <a:t>2022/11/18</a:t>
             </a:fld>
             <a:endParaRPr kumimoji="1" lang="ja-JP" altLang="en-US"/>
           </a:p>
@@ -2635,7 +3365,7 @@
           <a:p>
             <a:fld id="{D9812761-E0F9-498D-A86D-14F66CBFAB0E}" type="datetimeFigureOut">
               <a:rPr kumimoji="1" lang="ja-JP" altLang="en-US" smtClean="0"/>
-              <a:t>2022/8/31</a:t>
+              <a:t>2022/11/18</a:t>
             </a:fld>
             <a:endParaRPr kumimoji="1" lang="ja-JP" altLang="en-US"/>
           </a:p>
@@ -2880,7 +3610,7 @@
           <a:p>
             <a:fld id="{D9812761-E0F9-498D-A86D-14F66CBFAB0E}" type="datetimeFigureOut">
               <a:rPr kumimoji="1" lang="ja-JP" altLang="en-US" smtClean="0"/>
-              <a:t>2022/8/31</a:t>
+              <a:t>2022/11/18</a:t>
             </a:fld>
             <a:endParaRPr kumimoji="1" lang="ja-JP" altLang="en-US"/>
           </a:p>
@@ -12901,6 +13631,100 @@
 </p:sld>
 </file>
 
+<file path=ppt/slides/slide17.xml><?xml version="1.0" encoding="utf-8"?>
+<p:sld xmlns:a="http://schemas.openxmlformats.org/drawingml/2006/main" xmlns:r="http://schemas.openxmlformats.org/officeDocument/2006/relationships" xmlns:p="http://schemas.openxmlformats.org/presentationml/2006/main">
+  <p:cSld>
+    <p:spTree>
+      <p:nvGrpSpPr>
+        <p:cNvPr id="1" name=""/>
+        <p:cNvGrpSpPr/>
+        <p:nvPr/>
+      </p:nvGrpSpPr>
+      <p:grpSpPr>
+        <a:xfrm>
+          <a:off x="0" y="0"/>
+          <a:ext cx="0" cy="0"/>
+          <a:chOff x="0" y="0"/>
+          <a:chExt cx="0" cy="0"/>
+        </a:xfrm>
+      </p:grpSpPr>
+      <mc:AlternateContent xmlns:mc="http://schemas.openxmlformats.org/markup-compatibility/2006">
+        <mc:Choice xmlns:cx1="http://schemas.microsoft.com/office/drawing/2015/9/8/chartex" Requires="cx1">
+          <p:graphicFrame>
+            <p:nvGraphicFramePr>
+              <p:cNvPr id="11" name="グラフ 10">
+                <a:extLst>
+                  <a:ext uri="{FF2B5EF4-FFF2-40B4-BE49-F238E27FC236}">
+                    <a16:creationId xmlns:a16="http://schemas.microsoft.com/office/drawing/2014/main" id="{15D38584-0673-4385-A97E-89381F1FD124}"/>
+                  </a:ext>
+                </a:extLst>
+              </p:cNvPr>
+              <p:cNvGraphicFramePr/>
+              <p:nvPr>
+                <p:extLst>
+                  <p:ext uri="{D42A27DB-BD31-4B8C-83A1-F6EECF244321}">
+                    <p14:modId xmlns:p14="http://schemas.microsoft.com/office/powerpoint/2010/main" val="447982750"/>
+                  </p:ext>
+                </p:extLst>
+              </p:nvPr>
+            </p:nvGraphicFramePr>
+            <p:xfrm>
+              <a:off x="1069493" y="305502"/>
+              <a:ext cx="8660776" cy="6205026"/>
+            </p:xfrm>
+            <a:graphic>
+              <a:graphicData uri="http://schemas.microsoft.com/office/drawing/2014/chartex">
+                <cx:chart xmlns:cx="http://schemas.microsoft.com/office/drawing/2014/chartex" xmlns:r="http://schemas.openxmlformats.org/officeDocument/2006/relationships" r:id="rId2"/>
+              </a:graphicData>
+            </a:graphic>
+          </p:graphicFrame>
+        </mc:Choice>
+        <mc:Fallback>
+          <p:pic>
+            <p:nvPicPr>
+              <p:cNvPr id="11" name="グラフ 10">
+                <a:extLst>
+                  <a:ext uri="{FF2B5EF4-FFF2-40B4-BE49-F238E27FC236}">
+                    <a16:creationId xmlns:a16="http://schemas.microsoft.com/office/drawing/2014/main" id="{15D38584-0673-4385-A97E-89381F1FD124}"/>
+                  </a:ext>
+                </a:extLst>
+              </p:cNvPr>
+              <p:cNvPicPr>
+                <a:picLocks noGrp="1" noRot="1" noChangeAspect="1" noMove="1" noResize="1" noEditPoints="1" noAdjustHandles="1" noChangeArrowheads="1" noChangeShapeType="1"/>
+              </p:cNvPicPr>
+              <p:nvPr/>
+            </p:nvPicPr>
+            <p:blipFill>
+              <a:blip r:embed="rId3"/>
+              <a:stretch>
+                <a:fillRect/>
+              </a:stretch>
+            </p:blipFill>
+            <p:spPr>
+              <a:xfrm>
+                <a:off x="1069493" y="305502"/>
+                <a:ext cx="8660776" cy="6205026"/>
+              </a:xfrm>
+              <a:prstGeom prst="rect">
+                <a:avLst/>
+              </a:prstGeom>
+            </p:spPr>
+          </p:pic>
+        </mc:Fallback>
+      </mc:AlternateContent>
+    </p:spTree>
+    <p:extLst>
+      <p:ext uri="{BB962C8B-B14F-4D97-AF65-F5344CB8AC3E}">
+        <p14:creationId xmlns:p14="http://schemas.microsoft.com/office/powerpoint/2010/main" val="3659513044"/>
+      </p:ext>
+    </p:extLst>
+  </p:cSld>
+  <p:clrMapOvr>
+    <a:masterClrMapping/>
+  </p:clrMapOvr>
+</p:sld>
+</file>
+
 <file path=ppt/slides/slide2.xml><?xml version="1.0" encoding="utf-8"?>
 <p:sld xmlns:a="http://schemas.openxmlformats.org/drawingml/2006/main" xmlns:r="http://schemas.openxmlformats.org/officeDocument/2006/relationships" xmlns:p="http://schemas.openxmlformats.org/presentationml/2006/main">
   <p:cSld>
@@ -17184,8 +18008,8 @@
           </p:sp>
         </mc:Fallback>
       </mc:AlternateContent>
-      <mc:AlternateContent xmlns:mc="http://schemas.openxmlformats.org/markup-compatibility/2006">
-        <mc:Choice xmlns:a14="http://schemas.microsoft.com/office/drawing/2010/main" Requires="a14">
+      <mc:AlternateContent xmlns:mc="http://schemas.openxmlformats.org/markup-compatibility/2006" xmlns:a14="http://schemas.microsoft.com/office/drawing/2010/main">
+        <mc:Choice Requires="a14">
           <p:sp>
             <p:nvSpPr>
               <p:cNvPr id="13" name="テキスト ボックス 12">
@@ -17251,7 +18075,7 @@
             </p:txBody>
           </p:sp>
         </mc:Choice>
-        <mc:Fallback>
+        <mc:Fallback xmlns="">
           <p:sp>
             <p:nvSpPr>
               <p:cNvPr id="13" name="テキスト ボックス 12">
@@ -17611,8 +18435,8 @@
           </a:fontRef>
         </p:style>
       </p:cxnSp>
-      <mc:AlternateContent xmlns:mc="http://schemas.openxmlformats.org/markup-compatibility/2006">
-        <mc:Choice xmlns:a14="http://schemas.microsoft.com/office/drawing/2010/main" Requires="a14">
+      <mc:AlternateContent xmlns:mc="http://schemas.openxmlformats.org/markup-compatibility/2006" xmlns:a14="http://schemas.microsoft.com/office/drawing/2010/main">
+        <mc:Choice Requires="a14">
           <p:sp>
             <p:nvSpPr>
               <p:cNvPr id="12" name="テキスト ボックス 11">
@@ -17678,7 +18502,7 @@
             </p:txBody>
           </p:sp>
         </mc:Choice>
-        <mc:Fallback>
+        <mc:Fallback xmlns="">
           <p:sp>
             <p:nvSpPr>
               <p:cNvPr id="12" name="テキスト ボックス 11">
@@ -17931,8 +18755,8 @@
           </a:p>
         </p:txBody>
       </p:sp>
-      <mc:AlternateContent xmlns:mc="http://schemas.openxmlformats.org/markup-compatibility/2006">
-        <mc:Choice xmlns:a14="http://schemas.microsoft.com/office/drawing/2010/main" Requires="a14">
+      <mc:AlternateContent xmlns:mc="http://schemas.openxmlformats.org/markup-compatibility/2006" xmlns:a14="http://schemas.microsoft.com/office/drawing/2010/main">
+        <mc:Choice Requires="a14">
           <p:sp>
             <p:nvSpPr>
               <p:cNvPr id="26" name="テキスト ボックス 25">
@@ -17998,7 +18822,7 @@
             </p:txBody>
           </p:sp>
         </mc:Choice>
-        <mc:Fallback>
+        <mc:Fallback xmlns="">
           <p:sp>
             <p:nvSpPr>
               <p:cNvPr id="26" name="テキスト ボックス 25">
@@ -18227,8 +19051,8 @@
           </p:sp>
         </mc:Fallback>
       </mc:AlternateContent>
-      <mc:AlternateContent xmlns:mc="http://schemas.openxmlformats.org/markup-compatibility/2006">
-        <mc:Choice xmlns:a14="http://schemas.microsoft.com/office/drawing/2010/main" Requires="a14">
+      <mc:AlternateContent xmlns:mc="http://schemas.openxmlformats.org/markup-compatibility/2006" xmlns:a14="http://schemas.microsoft.com/office/drawing/2010/main">
+        <mc:Choice Requires="a14">
           <p:sp>
             <p:nvSpPr>
               <p:cNvPr id="13" name="テキスト ボックス 12">
@@ -18294,7 +19118,7 @@
             </p:txBody>
           </p:sp>
         </mc:Choice>
-        <mc:Fallback>
+        <mc:Fallback xmlns="">
           <p:sp>
             <p:nvSpPr>
               <p:cNvPr id="13" name="テキスト ボックス 12">
@@ -18654,8 +19478,8 @@
           </a:fontRef>
         </p:style>
       </p:cxnSp>
-      <mc:AlternateContent xmlns:mc="http://schemas.openxmlformats.org/markup-compatibility/2006">
-        <mc:Choice xmlns:a14="http://schemas.microsoft.com/office/drawing/2010/main" Requires="a14">
+      <mc:AlternateContent xmlns:mc="http://schemas.openxmlformats.org/markup-compatibility/2006" xmlns:a14="http://schemas.microsoft.com/office/drawing/2010/main">
+        <mc:Choice Requires="a14">
           <p:sp>
             <p:nvSpPr>
               <p:cNvPr id="12" name="テキスト ボックス 11">
@@ -18721,7 +19545,7 @@
             </p:txBody>
           </p:sp>
         </mc:Choice>
-        <mc:Fallback>
+        <mc:Fallback xmlns="">
           <p:sp>
             <p:nvSpPr>
               <p:cNvPr id="12" name="テキスト ボックス 11">
@@ -19298,8 +20122,8 @@
           </a:p>
         </p:txBody>
       </p:sp>
-      <mc:AlternateContent xmlns:mc="http://schemas.openxmlformats.org/markup-compatibility/2006">
-        <mc:Choice xmlns:a14="http://schemas.microsoft.com/office/drawing/2010/main" Requires="a14">
+      <mc:AlternateContent xmlns:mc="http://schemas.openxmlformats.org/markup-compatibility/2006" xmlns:a14="http://schemas.microsoft.com/office/drawing/2010/main">
+        <mc:Choice Requires="a14">
           <p:sp>
             <p:nvSpPr>
               <p:cNvPr id="22" name="テキスト ボックス 21">
@@ -19365,7 +20189,7 @@
             </p:txBody>
           </p:sp>
         </mc:Choice>
-        <mc:Fallback>
+        <mc:Fallback xmlns="">
           <p:sp>
             <p:nvSpPr>
               <p:cNvPr id="22" name="テキスト ボックス 21">
@@ -19594,8 +20418,8 @@
           </p:sp>
         </mc:Fallback>
       </mc:AlternateContent>
-      <mc:AlternateContent xmlns:mc="http://schemas.openxmlformats.org/markup-compatibility/2006">
-        <mc:Choice xmlns:a14="http://schemas.microsoft.com/office/drawing/2010/main" Requires="a14">
+      <mc:AlternateContent xmlns:mc="http://schemas.openxmlformats.org/markup-compatibility/2006" xmlns:a14="http://schemas.microsoft.com/office/drawing/2010/main">
+        <mc:Choice Requires="a14">
           <p:sp>
             <p:nvSpPr>
               <p:cNvPr id="13" name="テキスト ボックス 12">
@@ -19661,7 +20485,7 @@
             </p:txBody>
           </p:sp>
         </mc:Choice>
-        <mc:Fallback>
+        <mc:Fallback xmlns="">
           <p:sp>
             <p:nvSpPr>
               <p:cNvPr id="13" name="テキスト ボックス 12">
@@ -20188,8 +21012,8 @@
           </a:fontRef>
         </p:style>
       </p:cxnSp>
-      <mc:AlternateContent xmlns:mc="http://schemas.openxmlformats.org/markup-compatibility/2006">
-        <mc:Choice xmlns:a14="http://schemas.microsoft.com/office/drawing/2010/main" Requires="a14">
+      <mc:AlternateContent xmlns:mc="http://schemas.openxmlformats.org/markup-compatibility/2006" xmlns:a14="http://schemas.microsoft.com/office/drawing/2010/main">
+        <mc:Choice Requires="a14">
           <p:sp>
             <p:nvSpPr>
               <p:cNvPr id="12" name="テキスト ボックス 11">
@@ -20255,7 +21079,7 @@
             </p:txBody>
           </p:sp>
         </mc:Choice>
-        <mc:Fallback>
+        <mc:Fallback xmlns="">
           <p:sp>
             <p:nvSpPr>
               <p:cNvPr id="12" name="テキスト ボックス 11">

--- a/Math/figures/figure.pptx
+++ b/Math/figures/figure.pptx
@@ -22,6 +22,7 @@
     <p:sldId id="269" r:id="rId16"/>
     <p:sldId id="270" r:id="rId17"/>
     <p:sldId id="274" r:id="rId18"/>
+    <p:sldId id="275" r:id="rId19"/>
   </p:sldIdLst>
   <p:sldSz cx="10799763" cy="10799763"/>
   <p:notesSz cx="6797675" cy="9926638"/>
@@ -999,7 +1000,7 @@
           <a:p>
             <a:fld id="{D9812761-E0F9-498D-A86D-14F66CBFAB0E}" type="datetimeFigureOut">
               <a:rPr kumimoji="1" lang="ja-JP" altLang="en-US" smtClean="0"/>
-              <a:t>2022/11/18</a:t>
+              <a:t>2022/11/21</a:t>
             </a:fld>
             <a:endParaRPr kumimoji="1" lang="ja-JP" altLang="en-US"/>
           </a:p>
@@ -1201,7 +1202,7 @@
           <a:p>
             <a:fld id="{D9812761-E0F9-498D-A86D-14F66CBFAB0E}" type="datetimeFigureOut">
               <a:rPr kumimoji="1" lang="ja-JP" altLang="en-US" smtClean="0"/>
-              <a:t>2022/11/18</a:t>
+              <a:t>2022/11/21</a:t>
             </a:fld>
             <a:endParaRPr kumimoji="1" lang="ja-JP" altLang="en-US"/>
           </a:p>
@@ -1413,7 +1414,7 @@
           <a:p>
             <a:fld id="{D9812761-E0F9-498D-A86D-14F66CBFAB0E}" type="datetimeFigureOut">
               <a:rPr kumimoji="1" lang="ja-JP" altLang="en-US" smtClean="0"/>
-              <a:t>2022/11/18</a:t>
+              <a:t>2022/11/21</a:t>
             </a:fld>
             <a:endParaRPr kumimoji="1" lang="ja-JP" altLang="en-US"/>
           </a:p>
@@ -1615,7 +1616,7 @@
           <a:p>
             <a:fld id="{D9812761-E0F9-498D-A86D-14F66CBFAB0E}" type="datetimeFigureOut">
               <a:rPr kumimoji="1" lang="ja-JP" altLang="en-US" smtClean="0"/>
-              <a:t>2022/11/18</a:t>
+              <a:t>2022/11/21</a:t>
             </a:fld>
             <a:endParaRPr kumimoji="1" lang="ja-JP" altLang="en-US"/>
           </a:p>
@@ -1859,7 +1860,7 @@
           <a:p>
             <a:fld id="{D9812761-E0F9-498D-A86D-14F66CBFAB0E}" type="datetimeFigureOut">
               <a:rPr kumimoji="1" lang="ja-JP" altLang="en-US" smtClean="0"/>
-              <a:t>2022/11/18</a:t>
+              <a:t>2022/11/21</a:t>
             </a:fld>
             <a:endParaRPr kumimoji="1" lang="ja-JP" altLang="en-US"/>
           </a:p>
@@ -2155,7 +2156,7 @@
           <a:p>
             <a:fld id="{D9812761-E0F9-498D-A86D-14F66CBFAB0E}" type="datetimeFigureOut">
               <a:rPr kumimoji="1" lang="ja-JP" altLang="en-US" smtClean="0"/>
-              <a:t>2022/11/18</a:t>
+              <a:t>2022/11/21</a:t>
             </a:fld>
             <a:endParaRPr kumimoji="1" lang="ja-JP" altLang="en-US"/>
           </a:p>
@@ -2586,7 +2587,7 @@
           <a:p>
             <a:fld id="{D9812761-E0F9-498D-A86D-14F66CBFAB0E}" type="datetimeFigureOut">
               <a:rPr kumimoji="1" lang="ja-JP" altLang="en-US" smtClean="0"/>
-              <a:t>2022/11/18</a:t>
+              <a:t>2022/11/21</a:t>
             </a:fld>
             <a:endParaRPr kumimoji="1" lang="ja-JP" altLang="en-US"/>
           </a:p>
@@ -2704,7 +2705,7 @@
           <a:p>
             <a:fld id="{D9812761-E0F9-498D-A86D-14F66CBFAB0E}" type="datetimeFigureOut">
               <a:rPr kumimoji="1" lang="ja-JP" altLang="en-US" smtClean="0"/>
-              <a:t>2022/11/18</a:t>
+              <a:t>2022/11/21</a:t>
             </a:fld>
             <a:endParaRPr kumimoji="1" lang="ja-JP" altLang="en-US"/>
           </a:p>
@@ -2799,7 +2800,7 @@
           <a:p>
             <a:fld id="{D9812761-E0F9-498D-A86D-14F66CBFAB0E}" type="datetimeFigureOut">
               <a:rPr kumimoji="1" lang="ja-JP" altLang="en-US" smtClean="0"/>
-              <a:t>2022/11/18</a:t>
+              <a:t>2022/11/21</a:t>
             </a:fld>
             <a:endParaRPr kumimoji="1" lang="ja-JP" altLang="en-US"/>
           </a:p>
@@ -3108,7 +3109,7 @@
           <a:p>
             <a:fld id="{D9812761-E0F9-498D-A86D-14F66CBFAB0E}" type="datetimeFigureOut">
               <a:rPr kumimoji="1" lang="ja-JP" altLang="en-US" smtClean="0"/>
-              <a:t>2022/11/18</a:t>
+              <a:t>2022/11/21</a:t>
             </a:fld>
             <a:endParaRPr kumimoji="1" lang="ja-JP" altLang="en-US"/>
           </a:p>
@@ -3365,7 +3366,7 @@
           <a:p>
             <a:fld id="{D9812761-E0F9-498D-A86D-14F66CBFAB0E}" type="datetimeFigureOut">
               <a:rPr kumimoji="1" lang="ja-JP" altLang="en-US" smtClean="0"/>
-              <a:t>2022/11/18</a:t>
+              <a:t>2022/11/21</a:t>
             </a:fld>
             <a:endParaRPr kumimoji="1" lang="ja-JP" altLang="en-US"/>
           </a:p>
@@ -3610,7 +3611,7 @@
           <a:p>
             <a:fld id="{D9812761-E0F9-498D-A86D-14F66CBFAB0E}" type="datetimeFigureOut">
               <a:rPr kumimoji="1" lang="ja-JP" altLang="en-US" smtClean="0"/>
-              <a:t>2022/11/18</a:t>
+              <a:t>2022/11/21</a:t>
             </a:fld>
             <a:endParaRPr kumimoji="1" lang="ja-JP" altLang="en-US"/>
           </a:p>
@@ -13648,8 +13649,8 @@
           <a:chExt cx="0" cy="0"/>
         </a:xfrm>
       </p:grpSpPr>
-      <mc:AlternateContent xmlns:mc="http://schemas.openxmlformats.org/markup-compatibility/2006">
-        <mc:Choice xmlns:cx1="http://schemas.microsoft.com/office/drawing/2015/9/8/chartex" Requires="cx1">
+      <mc:AlternateContent xmlns:mc="http://schemas.openxmlformats.org/markup-compatibility/2006" xmlns:cx1="http://schemas.microsoft.com/office/drawing/2015/9/8/chartex">
+        <mc:Choice Requires="cx1">
           <p:graphicFrame>
             <p:nvGraphicFramePr>
               <p:cNvPr id="11" name="グラフ 10">
@@ -13679,7 +13680,7 @@
             </a:graphic>
           </p:graphicFrame>
         </mc:Choice>
-        <mc:Fallback>
+        <mc:Fallback xmlns="">
           <p:pic>
             <p:nvPicPr>
               <p:cNvPr id="11" name="グラフ 10">
@@ -13716,6 +13717,1744 @@
     <p:extLst>
       <p:ext uri="{BB962C8B-B14F-4D97-AF65-F5344CB8AC3E}">
         <p14:creationId xmlns:p14="http://schemas.microsoft.com/office/powerpoint/2010/main" val="3659513044"/>
+      </p:ext>
+    </p:extLst>
+  </p:cSld>
+  <p:clrMapOvr>
+    <a:masterClrMapping/>
+  </p:clrMapOvr>
+</p:sld>
+</file>
+
+<file path=ppt/slides/slide18.xml><?xml version="1.0" encoding="utf-8"?>
+<p:sld xmlns:a="http://schemas.openxmlformats.org/drawingml/2006/main" xmlns:r="http://schemas.openxmlformats.org/officeDocument/2006/relationships" xmlns:p="http://schemas.openxmlformats.org/presentationml/2006/main">
+  <p:cSld>
+    <p:spTree>
+      <p:nvGrpSpPr>
+        <p:cNvPr id="1" name=""/>
+        <p:cNvGrpSpPr/>
+        <p:nvPr/>
+      </p:nvGrpSpPr>
+      <p:grpSpPr>
+        <a:xfrm>
+          <a:off x="0" y="0"/>
+          <a:ext cx="0" cy="0"/>
+          <a:chOff x="0" y="0"/>
+          <a:chExt cx="0" cy="0"/>
+        </a:xfrm>
+      </p:grpSpPr>
+      <p:sp>
+        <p:nvSpPr>
+          <p:cNvPr id="5" name="楕円 4">
+            <a:extLst>
+              <a:ext uri="{FF2B5EF4-FFF2-40B4-BE49-F238E27FC236}">
+                <a16:creationId xmlns:a16="http://schemas.microsoft.com/office/drawing/2014/main" id="{E4F2A824-87D8-4F66-875F-B451A392D66F}"/>
+              </a:ext>
+            </a:extLst>
+          </p:cNvPr>
+          <p:cNvSpPr/>
+          <p:nvPr/>
+        </p:nvSpPr>
+        <p:spPr>
+          <a:xfrm>
+            <a:off x="380523" y="2514600"/>
+            <a:ext cx="4313391" cy="4325112"/>
+          </a:xfrm>
+          <a:prstGeom prst="ellipse">
+            <a:avLst/>
+          </a:prstGeom>
+          <a:solidFill>
+            <a:schemeClr val="bg1"/>
+          </a:solidFill>
+          <a:ln w="19050">
+            <a:solidFill>
+              <a:schemeClr val="tx1"/>
+            </a:solidFill>
+          </a:ln>
+        </p:spPr>
+        <p:style>
+          <a:lnRef idx="2">
+            <a:schemeClr val="accent1">
+              <a:shade val="50000"/>
+            </a:schemeClr>
+          </a:lnRef>
+          <a:fillRef idx="1">
+            <a:schemeClr val="accent1"/>
+          </a:fillRef>
+          <a:effectRef idx="0">
+            <a:schemeClr val="accent1"/>
+          </a:effectRef>
+          <a:fontRef idx="minor">
+            <a:schemeClr val="lt1"/>
+          </a:fontRef>
+        </p:style>
+        <p:txBody>
+          <a:bodyPr rtlCol="0" anchor="ctr"/>
+          <a:lstStyle/>
+          <a:p>
+            <a:pPr algn="ctr"/>
+            <a:endParaRPr kumimoji="1" lang="ja-JP" altLang="en-US"/>
+          </a:p>
+        </p:txBody>
+      </p:sp>
+      <p:cxnSp>
+        <p:nvCxnSpPr>
+          <p:cNvPr id="7" name="直線コネクタ 6">
+            <a:extLst>
+              <a:ext uri="{FF2B5EF4-FFF2-40B4-BE49-F238E27FC236}">
+                <a16:creationId xmlns:a16="http://schemas.microsoft.com/office/drawing/2014/main" id="{342277F4-8F4A-4763-912D-619BF6643593}"/>
+              </a:ext>
+            </a:extLst>
+          </p:cNvPr>
+          <p:cNvCxnSpPr>
+            <a:cxnSpLocks/>
+          </p:cNvCxnSpPr>
+          <p:nvPr/>
+        </p:nvCxnSpPr>
+        <p:spPr>
+          <a:xfrm>
+            <a:off x="0" y="4681728"/>
+            <a:ext cx="5399881" cy="0"/>
+          </a:xfrm>
+          <a:prstGeom prst="line">
+            <a:avLst/>
+          </a:prstGeom>
+          <a:ln w="19050">
+            <a:prstDash val="dash"/>
+          </a:ln>
+        </p:spPr>
+        <p:style>
+          <a:lnRef idx="1">
+            <a:schemeClr val="dk1"/>
+          </a:lnRef>
+          <a:fillRef idx="0">
+            <a:schemeClr val="dk1"/>
+          </a:fillRef>
+          <a:effectRef idx="0">
+            <a:schemeClr val="dk1"/>
+          </a:effectRef>
+          <a:fontRef idx="minor">
+            <a:schemeClr val="tx1"/>
+          </a:fontRef>
+        </p:style>
+      </p:cxnSp>
+      <p:cxnSp>
+        <p:nvCxnSpPr>
+          <p:cNvPr id="9" name="直線コネクタ 8">
+            <a:extLst>
+              <a:ext uri="{FF2B5EF4-FFF2-40B4-BE49-F238E27FC236}">
+                <a16:creationId xmlns:a16="http://schemas.microsoft.com/office/drawing/2014/main" id="{5ECEB5FC-1AFE-4EF7-AEAA-214B8359FFC1}"/>
+              </a:ext>
+            </a:extLst>
+          </p:cNvPr>
+          <p:cNvCxnSpPr>
+            <a:cxnSpLocks/>
+          </p:cNvCxnSpPr>
+          <p:nvPr/>
+        </p:nvCxnSpPr>
+        <p:spPr>
+          <a:xfrm>
+            <a:off x="2534761" y="1804416"/>
+            <a:ext cx="0" cy="5705856"/>
+          </a:xfrm>
+          <a:prstGeom prst="line">
+            <a:avLst/>
+          </a:prstGeom>
+          <a:ln w="19050">
+            <a:prstDash val="dash"/>
+          </a:ln>
+        </p:spPr>
+        <p:style>
+          <a:lnRef idx="1">
+            <a:schemeClr val="dk1"/>
+          </a:lnRef>
+          <a:fillRef idx="0">
+            <a:schemeClr val="dk1"/>
+          </a:fillRef>
+          <a:effectRef idx="0">
+            <a:schemeClr val="dk1"/>
+          </a:effectRef>
+          <a:fontRef idx="minor">
+            <a:schemeClr val="tx1"/>
+          </a:fontRef>
+        </p:style>
+      </p:cxnSp>
+      <p:cxnSp>
+        <p:nvCxnSpPr>
+          <p:cNvPr id="13" name="直線コネクタ 12">
+            <a:extLst>
+              <a:ext uri="{FF2B5EF4-FFF2-40B4-BE49-F238E27FC236}">
+                <a16:creationId xmlns:a16="http://schemas.microsoft.com/office/drawing/2014/main" id="{2E548A5D-3EB7-46E0-AAE3-D95F07FF366B}"/>
+              </a:ext>
+            </a:extLst>
+          </p:cNvPr>
+          <p:cNvCxnSpPr>
+            <a:cxnSpLocks/>
+          </p:cNvCxnSpPr>
+          <p:nvPr/>
+        </p:nvCxnSpPr>
+        <p:spPr>
+          <a:xfrm flipV="1">
+            <a:off x="2534759" y="3017520"/>
+            <a:ext cx="1377701" cy="1664208"/>
+          </a:xfrm>
+          <a:prstGeom prst="line">
+            <a:avLst/>
+          </a:prstGeom>
+          <a:ln>
+            <a:solidFill>
+              <a:schemeClr val="bg2">
+                <a:lumMod val="75000"/>
+              </a:schemeClr>
+            </a:solidFill>
+          </a:ln>
+        </p:spPr>
+        <p:style>
+          <a:lnRef idx="1">
+            <a:schemeClr val="dk1"/>
+          </a:lnRef>
+          <a:fillRef idx="0">
+            <a:schemeClr val="dk1"/>
+          </a:fillRef>
+          <a:effectRef idx="0">
+            <a:schemeClr val="dk1"/>
+          </a:effectRef>
+          <a:fontRef idx="minor">
+            <a:schemeClr val="tx1"/>
+          </a:fontRef>
+        </p:style>
+      </p:cxnSp>
+      <p:cxnSp>
+        <p:nvCxnSpPr>
+          <p:cNvPr id="16" name="直線コネクタ 15">
+            <a:extLst>
+              <a:ext uri="{FF2B5EF4-FFF2-40B4-BE49-F238E27FC236}">
+                <a16:creationId xmlns:a16="http://schemas.microsoft.com/office/drawing/2014/main" id="{C114F069-D056-4995-8142-43476D7C3C6C}"/>
+              </a:ext>
+            </a:extLst>
+          </p:cNvPr>
+          <p:cNvCxnSpPr>
+            <a:cxnSpLocks/>
+          </p:cNvCxnSpPr>
+          <p:nvPr/>
+        </p:nvCxnSpPr>
+        <p:spPr>
+          <a:xfrm flipV="1">
+            <a:off x="2534760" y="2816352"/>
+            <a:ext cx="1084739" cy="1856232"/>
+          </a:xfrm>
+          <a:prstGeom prst="line">
+            <a:avLst/>
+          </a:prstGeom>
+          <a:ln>
+            <a:solidFill>
+              <a:schemeClr val="bg2">
+                <a:lumMod val="75000"/>
+              </a:schemeClr>
+            </a:solidFill>
+          </a:ln>
+        </p:spPr>
+        <p:style>
+          <a:lnRef idx="1">
+            <a:schemeClr val="dk1"/>
+          </a:lnRef>
+          <a:fillRef idx="0">
+            <a:schemeClr val="dk1"/>
+          </a:fillRef>
+          <a:effectRef idx="0">
+            <a:schemeClr val="dk1"/>
+          </a:effectRef>
+          <a:fontRef idx="minor">
+            <a:schemeClr val="tx1"/>
+          </a:fontRef>
+        </p:style>
+      </p:cxnSp>
+      <p:cxnSp>
+        <p:nvCxnSpPr>
+          <p:cNvPr id="17" name="直線コネクタ 16">
+            <a:extLst>
+              <a:ext uri="{FF2B5EF4-FFF2-40B4-BE49-F238E27FC236}">
+                <a16:creationId xmlns:a16="http://schemas.microsoft.com/office/drawing/2014/main" id="{757C14FC-F586-48C5-9B5A-48FA7C494034}"/>
+              </a:ext>
+            </a:extLst>
+          </p:cNvPr>
+          <p:cNvCxnSpPr>
+            <a:cxnSpLocks/>
+          </p:cNvCxnSpPr>
+          <p:nvPr/>
+        </p:nvCxnSpPr>
+        <p:spPr>
+          <a:xfrm flipV="1">
+            <a:off x="2534758" y="2910840"/>
+            <a:ext cx="1234602" cy="1770888"/>
+          </a:xfrm>
+          <a:prstGeom prst="line">
+            <a:avLst/>
+          </a:prstGeom>
+          <a:ln>
+            <a:solidFill>
+              <a:schemeClr val="bg2">
+                <a:lumMod val="75000"/>
+              </a:schemeClr>
+            </a:solidFill>
+          </a:ln>
+        </p:spPr>
+        <p:style>
+          <a:lnRef idx="1">
+            <a:schemeClr val="dk1"/>
+          </a:lnRef>
+          <a:fillRef idx="0">
+            <a:schemeClr val="dk1"/>
+          </a:fillRef>
+          <a:effectRef idx="0">
+            <a:schemeClr val="dk1"/>
+          </a:effectRef>
+          <a:fontRef idx="minor">
+            <a:schemeClr val="tx1"/>
+          </a:fontRef>
+        </p:style>
+      </p:cxnSp>
+      <p:cxnSp>
+        <p:nvCxnSpPr>
+          <p:cNvPr id="18" name="直線コネクタ 17">
+            <a:extLst>
+              <a:ext uri="{FF2B5EF4-FFF2-40B4-BE49-F238E27FC236}">
+                <a16:creationId xmlns:a16="http://schemas.microsoft.com/office/drawing/2014/main" id="{26FF2AA4-4DFB-426F-AEB4-A332EFD8A085}"/>
+              </a:ext>
+            </a:extLst>
+          </p:cNvPr>
+          <p:cNvCxnSpPr>
+            <a:cxnSpLocks/>
+          </p:cNvCxnSpPr>
+          <p:nvPr/>
+        </p:nvCxnSpPr>
+        <p:spPr>
+          <a:xfrm flipV="1">
+            <a:off x="2534761" y="3230880"/>
+            <a:ext cx="1610519" cy="1446276"/>
+          </a:xfrm>
+          <a:prstGeom prst="line">
+            <a:avLst/>
+          </a:prstGeom>
+          <a:ln>
+            <a:solidFill>
+              <a:schemeClr val="bg2">
+                <a:lumMod val="75000"/>
+              </a:schemeClr>
+            </a:solidFill>
+          </a:ln>
+        </p:spPr>
+        <p:style>
+          <a:lnRef idx="1">
+            <a:schemeClr val="dk1"/>
+          </a:lnRef>
+          <a:fillRef idx="0">
+            <a:schemeClr val="dk1"/>
+          </a:fillRef>
+          <a:effectRef idx="0">
+            <a:schemeClr val="dk1"/>
+          </a:effectRef>
+          <a:fontRef idx="minor">
+            <a:schemeClr val="tx1"/>
+          </a:fontRef>
+        </p:style>
+      </p:cxnSp>
+      <p:cxnSp>
+        <p:nvCxnSpPr>
+          <p:cNvPr id="19" name="直線コネクタ 18">
+            <a:extLst>
+              <a:ext uri="{FF2B5EF4-FFF2-40B4-BE49-F238E27FC236}">
+                <a16:creationId xmlns:a16="http://schemas.microsoft.com/office/drawing/2014/main" id="{7B1011EF-209B-49FE-B6F2-54965282E1A2}"/>
+              </a:ext>
+            </a:extLst>
+          </p:cNvPr>
+          <p:cNvCxnSpPr>
+            <a:cxnSpLocks/>
+          </p:cNvCxnSpPr>
+          <p:nvPr/>
+        </p:nvCxnSpPr>
+        <p:spPr>
+          <a:xfrm flipV="1">
+            <a:off x="2534761" y="3598164"/>
+            <a:ext cx="1860455" cy="1078992"/>
+          </a:xfrm>
+          <a:prstGeom prst="line">
+            <a:avLst/>
+          </a:prstGeom>
+          <a:ln>
+            <a:solidFill>
+              <a:schemeClr val="bg2">
+                <a:lumMod val="75000"/>
+              </a:schemeClr>
+            </a:solidFill>
+          </a:ln>
+        </p:spPr>
+        <p:style>
+          <a:lnRef idx="1">
+            <a:schemeClr val="dk1"/>
+          </a:lnRef>
+          <a:fillRef idx="0">
+            <a:schemeClr val="dk1"/>
+          </a:fillRef>
+          <a:effectRef idx="0">
+            <a:schemeClr val="dk1"/>
+          </a:effectRef>
+          <a:fontRef idx="minor">
+            <a:schemeClr val="tx1"/>
+          </a:fontRef>
+        </p:style>
+      </p:cxnSp>
+      <p:cxnSp>
+        <p:nvCxnSpPr>
+          <p:cNvPr id="42" name="直線コネクタ 41">
+            <a:extLst>
+              <a:ext uri="{FF2B5EF4-FFF2-40B4-BE49-F238E27FC236}">
+                <a16:creationId xmlns:a16="http://schemas.microsoft.com/office/drawing/2014/main" id="{954D512F-915B-49FC-BF45-F48D65382EB2}"/>
+              </a:ext>
+            </a:extLst>
+          </p:cNvPr>
+          <p:cNvCxnSpPr>
+            <a:cxnSpLocks/>
+          </p:cNvCxnSpPr>
+          <p:nvPr/>
+        </p:nvCxnSpPr>
+        <p:spPr>
+          <a:xfrm flipV="1">
+            <a:off x="2539678" y="3439668"/>
+            <a:ext cx="1753305" cy="1232917"/>
+          </a:xfrm>
+          <a:prstGeom prst="line">
+            <a:avLst/>
+          </a:prstGeom>
+          <a:ln>
+            <a:solidFill>
+              <a:schemeClr val="bg2">
+                <a:lumMod val="75000"/>
+              </a:schemeClr>
+            </a:solidFill>
+          </a:ln>
+        </p:spPr>
+        <p:style>
+          <a:lnRef idx="1">
+            <a:schemeClr val="dk1"/>
+          </a:lnRef>
+          <a:fillRef idx="0">
+            <a:schemeClr val="dk1"/>
+          </a:fillRef>
+          <a:effectRef idx="0">
+            <a:schemeClr val="dk1"/>
+          </a:effectRef>
+          <a:fontRef idx="minor">
+            <a:schemeClr val="tx1"/>
+          </a:fontRef>
+        </p:style>
+      </p:cxnSp>
+      <p:cxnSp>
+        <p:nvCxnSpPr>
+          <p:cNvPr id="43" name="直線コネクタ 42">
+            <a:extLst>
+              <a:ext uri="{FF2B5EF4-FFF2-40B4-BE49-F238E27FC236}">
+                <a16:creationId xmlns:a16="http://schemas.microsoft.com/office/drawing/2014/main" id="{A30D8559-87DF-4962-9568-E4170E2579FB}"/>
+              </a:ext>
+            </a:extLst>
+          </p:cNvPr>
+          <p:cNvCxnSpPr>
+            <a:cxnSpLocks/>
+          </p:cNvCxnSpPr>
+          <p:nvPr/>
+        </p:nvCxnSpPr>
+        <p:spPr>
+          <a:xfrm flipV="1">
+            <a:off x="2540617" y="2976372"/>
+            <a:ext cx="1315467" cy="1696214"/>
+          </a:xfrm>
+          <a:prstGeom prst="line">
+            <a:avLst/>
+          </a:prstGeom>
+          <a:ln>
+            <a:solidFill>
+              <a:schemeClr val="bg2">
+                <a:lumMod val="75000"/>
+              </a:schemeClr>
+            </a:solidFill>
+          </a:ln>
+        </p:spPr>
+        <p:style>
+          <a:lnRef idx="1">
+            <a:schemeClr val="dk1"/>
+          </a:lnRef>
+          <a:fillRef idx="0">
+            <a:schemeClr val="dk1"/>
+          </a:fillRef>
+          <a:effectRef idx="0">
+            <a:schemeClr val="dk1"/>
+          </a:effectRef>
+          <a:fontRef idx="minor">
+            <a:schemeClr val="tx1"/>
+          </a:fontRef>
+        </p:style>
+      </p:cxnSp>
+      <p:cxnSp>
+        <p:nvCxnSpPr>
+          <p:cNvPr id="44" name="直線コネクタ 43">
+            <a:extLst>
+              <a:ext uri="{FF2B5EF4-FFF2-40B4-BE49-F238E27FC236}">
+                <a16:creationId xmlns:a16="http://schemas.microsoft.com/office/drawing/2014/main" id="{BED256DD-4E75-4915-9EA3-86031C81793E}"/>
+              </a:ext>
+            </a:extLst>
+          </p:cNvPr>
+          <p:cNvCxnSpPr>
+            <a:cxnSpLocks/>
+          </p:cNvCxnSpPr>
+          <p:nvPr/>
+        </p:nvCxnSpPr>
+        <p:spPr>
+          <a:xfrm flipV="1">
+            <a:off x="2534760" y="3464560"/>
+            <a:ext cx="1781941" cy="1208024"/>
+          </a:xfrm>
+          <a:prstGeom prst="line">
+            <a:avLst/>
+          </a:prstGeom>
+          <a:ln>
+            <a:solidFill>
+              <a:schemeClr val="bg2">
+                <a:lumMod val="75000"/>
+              </a:schemeClr>
+            </a:solidFill>
+          </a:ln>
+        </p:spPr>
+        <p:style>
+          <a:lnRef idx="1">
+            <a:schemeClr val="dk1"/>
+          </a:lnRef>
+          <a:fillRef idx="0">
+            <a:schemeClr val="dk1"/>
+          </a:fillRef>
+          <a:effectRef idx="0">
+            <a:schemeClr val="dk1"/>
+          </a:effectRef>
+          <a:fontRef idx="minor">
+            <a:schemeClr val="tx1"/>
+          </a:fontRef>
+        </p:style>
+      </p:cxnSp>
+      <p:cxnSp>
+        <p:nvCxnSpPr>
+          <p:cNvPr id="45" name="直線コネクタ 44">
+            <a:extLst>
+              <a:ext uri="{FF2B5EF4-FFF2-40B4-BE49-F238E27FC236}">
+                <a16:creationId xmlns:a16="http://schemas.microsoft.com/office/drawing/2014/main" id="{62365838-AA43-4C10-9F9F-73D525D88AFF}"/>
+              </a:ext>
+            </a:extLst>
+          </p:cNvPr>
+          <p:cNvCxnSpPr>
+            <a:cxnSpLocks/>
+          </p:cNvCxnSpPr>
+          <p:nvPr/>
+        </p:nvCxnSpPr>
+        <p:spPr>
+          <a:xfrm flipV="1">
+            <a:off x="2534758" y="3378200"/>
+            <a:ext cx="1727362" cy="1294384"/>
+          </a:xfrm>
+          <a:prstGeom prst="line">
+            <a:avLst/>
+          </a:prstGeom>
+          <a:ln>
+            <a:solidFill>
+              <a:schemeClr val="bg2">
+                <a:lumMod val="75000"/>
+              </a:schemeClr>
+            </a:solidFill>
+          </a:ln>
+        </p:spPr>
+        <p:style>
+          <a:lnRef idx="1">
+            <a:schemeClr val="dk1"/>
+          </a:lnRef>
+          <a:fillRef idx="0">
+            <a:schemeClr val="dk1"/>
+          </a:fillRef>
+          <a:effectRef idx="0">
+            <a:schemeClr val="dk1"/>
+          </a:effectRef>
+          <a:fontRef idx="minor">
+            <a:schemeClr val="tx1"/>
+          </a:fontRef>
+        </p:style>
+      </p:cxnSp>
+      <p:cxnSp>
+        <p:nvCxnSpPr>
+          <p:cNvPr id="54" name="直線コネクタ 53">
+            <a:extLst>
+              <a:ext uri="{FF2B5EF4-FFF2-40B4-BE49-F238E27FC236}">
+                <a16:creationId xmlns:a16="http://schemas.microsoft.com/office/drawing/2014/main" id="{F15B7C39-A55A-4C24-8F75-480EC98D37A4}"/>
+              </a:ext>
+            </a:extLst>
+          </p:cNvPr>
+          <p:cNvCxnSpPr>
+            <a:cxnSpLocks/>
+          </p:cNvCxnSpPr>
+          <p:nvPr/>
+        </p:nvCxnSpPr>
+        <p:spPr>
+          <a:xfrm flipV="1">
+            <a:off x="2525359" y="2758440"/>
+            <a:ext cx="990631" cy="1917192"/>
+          </a:xfrm>
+          <a:prstGeom prst="line">
+            <a:avLst/>
+          </a:prstGeom>
+          <a:ln>
+            <a:solidFill>
+              <a:schemeClr val="bg2">
+                <a:lumMod val="75000"/>
+              </a:schemeClr>
+            </a:solidFill>
+          </a:ln>
+        </p:spPr>
+        <p:style>
+          <a:lnRef idx="1">
+            <a:schemeClr val="dk1"/>
+          </a:lnRef>
+          <a:fillRef idx="0">
+            <a:schemeClr val="dk1"/>
+          </a:fillRef>
+          <a:effectRef idx="0">
+            <a:schemeClr val="dk1"/>
+          </a:effectRef>
+          <a:fontRef idx="minor">
+            <a:schemeClr val="tx1"/>
+          </a:fontRef>
+        </p:style>
+      </p:cxnSp>
+      <p:cxnSp>
+        <p:nvCxnSpPr>
+          <p:cNvPr id="55" name="直線コネクタ 54">
+            <a:extLst>
+              <a:ext uri="{FF2B5EF4-FFF2-40B4-BE49-F238E27FC236}">
+                <a16:creationId xmlns:a16="http://schemas.microsoft.com/office/drawing/2014/main" id="{AAD666EC-DC1D-4E75-A389-1ABEC727904F}"/>
+              </a:ext>
+            </a:extLst>
+          </p:cNvPr>
+          <p:cNvCxnSpPr>
+            <a:cxnSpLocks/>
+          </p:cNvCxnSpPr>
+          <p:nvPr/>
+        </p:nvCxnSpPr>
+        <p:spPr>
+          <a:xfrm flipV="1">
+            <a:off x="2534760" y="3879596"/>
+            <a:ext cx="1991043" cy="788416"/>
+          </a:xfrm>
+          <a:prstGeom prst="line">
+            <a:avLst/>
+          </a:prstGeom>
+          <a:ln>
+            <a:solidFill>
+              <a:schemeClr val="bg2">
+                <a:lumMod val="75000"/>
+              </a:schemeClr>
+            </a:solidFill>
+          </a:ln>
+        </p:spPr>
+        <p:style>
+          <a:lnRef idx="1">
+            <a:schemeClr val="dk1"/>
+          </a:lnRef>
+          <a:fillRef idx="0">
+            <a:schemeClr val="dk1"/>
+          </a:fillRef>
+          <a:effectRef idx="0">
+            <a:schemeClr val="dk1"/>
+          </a:effectRef>
+          <a:fontRef idx="minor">
+            <a:schemeClr val="tx1"/>
+          </a:fontRef>
+        </p:style>
+      </p:cxnSp>
+      <p:cxnSp>
+        <p:nvCxnSpPr>
+          <p:cNvPr id="56" name="直線コネクタ 55">
+            <a:extLst>
+              <a:ext uri="{FF2B5EF4-FFF2-40B4-BE49-F238E27FC236}">
+                <a16:creationId xmlns:a16="http://schemas.microsoft.com/office/drawing/2014/main" id="{C5B8B719-F0D1-4090-885E-BAC9B9CF4383}"/>
+              </a:ext>
+            </a:extLst>
+          </p:cNvPr>
+          <p:cNvCxnSpPr>
+            <a:cxnSpLocks/>
+          </p:cNvCxnSpPr>
+          <p:nvPr/>
+        </p:nvCxnSpPr>
+        <p:spPr>
+          <a:xfrm flipH="1" flipV="1">
+            <a:off x="2384899" y="2522474"/>
+            <a:ext cx="169132" cy="2120646"/>
+          </a:xfrm>
+          <a:prstGeom prst="line">
+            <a:avLst/>
+          </a:prstGeom>
+          <a:ln>
+            <a:solidFill>
+              <a:schemeClr val="bg2">
+                <a:lumMod val="75000"/>
+              </a:schemeClr>
+            </a:solidFill>
+          </a:ln>
+        </p:spPr>
+        <p:style>
+          <a:lnRef idx="1">
+            <a:schemeClr val="dk1"/>
+          </a:lnRef>
+          <a:fillRef idx="0">
+            <a:schemeClr val="dk1"/>
+          </a:fillRef>
+          <a:effectRef idx="0">
+            <a:schemeClr val="dk1"/>
+          </a:effectRef>
+          <a:fontRef idx="minor">
+            <a:schemeClr val="tx1"/>
+          </a:fontRef>
+        </p:style>
+      </p:cxnSp>
+      <p:cxnSp>
+        <p:nvCxnSpPr>
+          <p:cNvPr id="57" name="直線コネクタ 56">
+            <a:extLst>
+              <a:ext uri="{FF2B5EF4-FFF2-40B4-BE49-F238E27FC236}">
+                <a16:creationId xmlns:a16="http://schemas.microsoft.com/office/drawing/2014/main" id="{7A22D1DB-2AF1-4C75-A75F-BB6A47CF46E8}"/>
+              </a:ext>
+            </a:extLst>
+          </p:cNvPr>
+          <p:cNvCxnSpPr>
+            <a:cxnSpLocks/>
+          </p:cNvCxnSpPr>
+          <p:nvPr/>
+        </p:nvCxnSpPr>
+        <p:spPr>
+          <a:xfrm flipV="1">
+            <a:off x="2534760" y="2550668"/>
+            <a:ext cx="343630" cy="2117344"/>
+          </a:xfrm>
+          <a:prstGeom prst="line">
+            <a:avLst/>
+          </a:prstGeom>
+          <a:ln>
+            <a:solidFill>
+              <a:schemeClr val="bg2">
+                <a:lumMod val="75000"/>
+              </a:schemeClr>
+            </a:solidFill>
+          </a:ln>
+        </p:spPr>
+        <p:style>
+          <a:lnRef idx="1">
+            <a:schemeClr val="dk1"/>
+          </a:lnRef>
+          <a:fillRef idx="0">
+            <a:schemeClr val="dk1"/>
+          </a:fillRef>
+          <a:effectRef idx="0">
+            <a:schemeClr val="dk1"/>
+          </a:effectRef>
+          <a:fontRef idx="minor">
+            <a:schemeClr val="tx1"/>
+          </a:fontRef>
+        </p:style>
+      </p:cxnSp>
+      <p:cxnSp>
+        <p:nvCxnSpPr>
+          <p:cNvPr id="65" name="直線コネクタ 64">
+            <a:extLst>
+              <a:ext uri="{FF2B5EF4-FFF2-40B4-BE49-F238E27FC236}">
+                <a16:creationId xmlns:a16="http://schemas.microsoft.com/office/drawing/2014/main" id="{644D3112-4A2F-4819-AC34-9AE09371E854}"/>
+              </a:ext>
+            </a:extLst>
+          </p:cNvPr>
+          <p:cNvCxnSpPr>
+            <a:cxnSpLocks/>
+          </p:cNvCxnSpPr>
+          <p:nvPr/>
+        </p:nvCxnSpPr>
+        <p:spPr>
+          <a:xfrm flipV="1">
+            <a:off x="2534760" y="3373628"/>
+            <a:ext cx="990629" cy="1310641"/>
+          </a:xfrm>
+          <a:prstGeom prst="line">
+            <a:avLst/>
+          </a:prstGeom>
+          <a:ln w="28575">
+            <a:solidFill>
+              <a:schemeClr val="tx1"/>
+            </a:solidFill>
+          </a:ln>
+        </p:spPr>
+        <p:style>
+          <a:lnRef idx="1">
+            <a:schemeClr val="dk1"/>
+          </a:lnRef>
+          <a:fillRef idx="0">
+            <a:schemeClr val="dk1"/>
+          </a:fillRef>
+          <a:effectRef idx="0">
+            <a:schemeClr val="dk1"/>
+          </a:effectRef>
+          <a:fontRef idx="minor">
+            <a:schemeClr val="tx1"/>
+          </a:fontRef>
+        </p:style>
+      </p:cxnSp>
+      <p:sp>
+        <p:nvSpPr>
+          <p:cNvPr id="67" name="楕円 66">
+            <a:extLst>
+              <a:ext uri="{FF2B5EF4-FFF2-40B4-BE49-F238E27FC236}">
+                <a16:creationId xmlns:a16="http://schemas.microsoft.com/office/drawing/2014/main" id="{F59B9C67-BD8A-40F3-BBF8-EE9AA12014FC}"/>
+              </a:ext>
+            </a:extLst>
+          </p:cNvPr>
+          <p:cNvSpPr/>
+          <p:nvPr/>
+        </p:nvSpPr>
+        <p:spPr>
+          <a:xfrm>
+            <a:off x="5773737" y="2514600"/>
+            <a:ext cx="4313391" cy="4325112"/>
+          </a:xfrm>
+          <a:prstGeom prst="ellipse">
+            <a:avLst/>
+          </a:prstGeom>
+          <a:solidFill>
+            <a:schemeClr val="bg1"/>
+          </a:solidFill>
+          <a:ln w="19050">
+            <a:solidFill>
+              <a:schemeClr val="tx1"/>
+            </a:solidFill>
+          </a:ln>
+        </p:spPr>
+        <p:style>
+          <a:lnRef idx="2">
+            <a:schemeClr val="accent1">
+              <a:shade val="50000"/>
+            </a:schemeClr>
+          </a:lnRef>
+          <a:fillRef idx="1">
+            <a:schemeClr val="accent1"/>
+          </a:fillRef>
+          <a:effectRef idx="0">
+            <a:schemeClr val="accent1"/>
+          </a:effectRef>
+          <a:fontRef idx="minor">
+            <a:schemeClr val="lt1"/>
+          </a:fontRef>
+        </p:style>
+        <p:txBody>
+          <a:bodyPr rtlCol="0" anchor="ctr"/>
+          <a:lstStyle/>
+          <a:p>
+            <a:pPr algn="ctr"/>
+            <a:endParaRPr kumimoji="1" lang="ja-JP" altLang="en-US"/>
+          </a:p>
+        </p:txBody>
+      </p:sp>
+      <p:cxnSp>
+        <p:nvCxnSpPr>
+          <p:cNvPr id="68" name="直線コネクタ 67">
+            <a:extLst>
+              <a:ext uri="{FF2B5EF4-FFF2-40B4-BE49-F238E27FC236}">
+                <a16:creationId xmlns:a16="http://schemas.microsoft.com/office/drawing/2014/main" id="{47690CAE-AB41-442D-A5CF-BC684FADCECE}"/>
+              </a:ext>
+            </a:extLst>
+          </p:cNvPr>
+          <p:cNvCxnSpPr>
+            <a:cxnSpLocks/>
+          </p:cNvCxnSpPr>
+          <p:nvPr/>
+        </p:nvCxnSpPr>
+        <p:spPr>
+          <a:xfrm>
+            <a:off x="5393214" y="4681728"/>
+            <a:ext cx="5399881" cy="0"/>
+          </a:xfrm>
+          <a:prstGeom prst="line">
+            <a:avLst/>
+          </a:prstGeom>
+          <a:ln w="19050">
+            <a:prstDash val="dash"/>
+          </a:ln>
+        </p:spPr>
+        <p:style>
+          <a:lnRef idx="1">
+            <a:schemeClr val="dk1"/>
+          </a:lnRef>
+          <a:fillRef idx="0">
+            <a:schemeClr val="dk1"/>
+          </a:fillRef>
+          <a:effectRef idx="0">
+            <a:schemeClr val="dk1"/>
+          </a:effectRef>
+          <a:fontRef idx="minor">
+            <a:schemeClr val="tx1"/>
+          </a:fontRef>
+        </p:style>
+      </p:cxnSp>
+      <p:cxnSp>
+        <p:nvCxnSpPr>
+          <p:cNvPr id="69" name="直線コネクタ 68">
+            <a:extLst>
+              <a:ext uri="{FF2B5EF4-FFF2-40B4-BE49-F238E27FC236}">
+                <a16:creationId xmlns:a16="http://schemas.microsoft.com/office/drawing/2014/main" id="{90B5EB98-1397-4AF0-9524-32ECF7FADC14}"/>
+              </a:ext>
+            </a:extLst>
+          </p:cNvPr>
+          <p:cNvCxnSpPr>
+            <a:cxnSpLocks/>
+          </p:cNvCxnSpPr>
+          <p:nvPr/>
+        </p:nvCxnSpPr>
+        <p:spPr>
+          <a:xfrm>
+            <a:off x="7927975" y="1804416"/>
+            <a:ext cx="0" cy="5705856"/>
+          </a:xfrm>
+          <a:prstGeom prst="line">
+            <a:avLst/>
+          </a:prstGeom>
+          <a:ln w="19050">
+            <a:prstDash val="dash"/>
+          </a:ln>
+        </p:spPr>
+        <p:style>
+          <a:lnRef idx="1">
+            <a:schemeClr val="dk1"/>
+          </a:lnRef>
+          <a:fillRef idx="0">
+            <a:schemeClr val="dk1"/>
+          </a:fillRef>
+          <a:effectRef idx="0">
+            <a:schemeClr val="dk1"/>
+          </a:effectRef>
+          <a:fontRef idx="minor">
+            <a:schemeClr val="tx1"/>
+          </a:fontRef>
+        </p:style>
+      </p:cxnSp>
+      <p:cxnSp>
+        <p:nvCxnSpPr>
+          <p:cNvPr id="70" name="直線コネクタ 69">
+            <a:extLst>
+              <a:ext uri="{FF2B5EF4-FFF2-40B4-BE49-F238E27FC236}">
+                <a16:creationId xmlns:a16="http://schemas.microsoft.com/office/drawing/2014/main" id="{85534B76-F54F-469C-BF38-CF80CE3CA5D8}"/>
+              </a:ext>
+            </a:extLst>
+          </p:cNvPr>
+          <p:cNvCxnSpPr>
+            <a:cxnSpLocks/>
+          </p:cNvCxnSpPr>
+          <p:nvPr/>
+        </p:nvCxnSpPr>
+        <p:spPr>
+          <a:xfrm flipV="1">
+            <a:off x="7927973" y="3017520"/>
+            <a:ext cx="1377701" cy="1664208"/>
+          </a:xfrm>
+          <a:prstGeom prst="line">
+            <a:avLst/>
+          </a:prstGeom>
+          <a:ln>
+            <a:solidFill>
+              <a:schemeClr val="bg2">
+                <a:lumMod val="75000"/>
+              </a:schemeClr>
+            </a:solidFill>
+          </a:ln>
+        </p:spPr>
+        <p:style>
+          <a:lnRef idx="1">
+            <a:schemeClr val="dk1"/>
+          </a:lnRef>
+          <a:fillRef idx="0">
+            <a:schemeClr val="dk1"/>
+          </a:fillRef>
+          <a:effectRef idx="0">
+            <a:schemeClr val="dk1"/>
+          </a:effectRef>
+          <a:fontRef idx="minor">
+            <a:schemeClr val="tx1"/>
+          </a:fontRef>
+        </p:style>
+      </p:cxnSp>
+      <p:cxnSp>
+        <p:nvCxnSpPr>
+          <p:cNvPr id="71" name="直線コネクタ 70">
+            <a:extLst>
+              <a:ext uri="{FF2B5EF4-FFF2-40B4-BE49-F238E27FC236}">
+                <a16:creationId xmlns:a16="http://schemas.microsoft.com/office/drawing/2014/main" id="{1EE5CD0E-0C2E-47F3-97B0-FA0713D72522}"/>
+              </a:ext>
+            </a:extLst>
+          </p:cNvPr>
+          <p:cNvCxnSpPr>
+            <a:cxnSpLocks/>
+          </p:cNvCxnSpPr>
+          <p:nvPr/>
+        </p:nvCxnSpPr>
+        <p:spPr>
+          <a:xfrm flipV="1">
+            <a:off x="7927974" y="2816352"/>
+            <a:ext cx="1084739" cy="1856232"/>
+          </a:xfrm>
+          <a:prstGeom prst="line">
+            <a:avLst/>
+          </a:prstGeom>
+          <a:ln>
+            <a:solidFill>
+              <a:schemeClr val="bg2">
+                <a:lumMod val="75000"/>
+              </a:schemeClr>
+            </a:solidFill>
+          </a:ln>
+        </p:spPr>
+        <p:style>
+          <a:lnRef idx="1">
+            <a:schemeClr val="dk1"/>
+          </a:lnRef>
+          <a:fillRef idx="0">
+            <a:schemeClr val="dk1"/>
+          </a:fillRef>
+          <a:effectRef idx="0">
+            <a:schemeClr val="dk1"/>
+          </a:effectRef>
+          <a:fontRef idx="minor">
+            <a:schemeClr val="tx1"/>
+          </a:fontRef>
+        </p:style>
+      </p:cxnSp>
+      <p:cxnSp>
+        <p:nvCxnSpPr>
+          <p:cNvPr id="72" name="直線コネクタ 71">
+            <a:extLst>
+              <a:ext uri="{FF2B5EF4-FFF2-40B4-BE49-F238E27FC236}">
+                <a16:creationId xmlns:a16="http://schemas.microsoft.com/office/drawing/2014/main" id="{D8E333A9-2346-4F05-B7C1-674721721512}"/>
+              </a:ext>
+            </a:extLst>
+          </p:cNvPr>
+          <p:cNvCxnSpPr>
+            <a:cxnSpLocks/>
+          </p:cNvCxnSpPr>
+          <p:nvPr/>
+        </p:nvCxnSpPr>
+        <p:spPr>
+          <a:xfrm>
+            <a:off x="7927972" y="4681728"/>
+            <a:ext cx="1084741" cy="1848612"/>
+          </a:xfrm>
+          <a:prstGeom prst="line">
+            <a:avLst/>
+          </a:prstGeom>
+          <a:ln>
+            <a:solidFill>
+              <a:schemeClr val="bg2">
+                <a:lumMod val="75000"/>
+              </a:schemeClr>
+            </a:solidFill>
+          </a:ln>
+        </p:spPr>
+        <p:style>
+          <a:lnRef idx="1">
+            <a:schemeClr val="dk1"/>
+          </a:lnRef>
+          <a:fillRef idx="0">
+            <a:schemeClr val="dk1"/>
+          </a:fillRef>
+          <a:effectRef idx="0">
+            <a:schemeClr val="dk1"/>
+          </a:effectRef>
+          <a:fontRef idx="minor">
+            <a:schemeClr val="tx1"/>
+          </a:fontRef>
+        </p:style>
+      </p:cxnSp>
+      <p:cxnSp>
+        <p:nvCxnSpPr>
+          <p:cNvPr id="73" name="直線コネクタ 72">
+            <a:extLst>
+              <a:ext uri="{FF2B5EF4-FFF2-40B4-BE49-F238E27FC236}">
+                <a16:creationId xmlns:a16="http://schemas.microsoft.com/office/drawing/2014/main" id="{FDBCCCA4-6675-4E1C-A9C8-669D17C798DC}"/>
+              </a:ext>
+            </a:extLst>
+          </p:cNvPr>
+          <p:cNvCxnSpPr>
+            <a:cxnSpLocks/>
+          </p:cNvCxnSpPr>
+          <p:nvPr/>
+        </p:nvCxnSpPr>
+        <p:spPr>
+          <a:xfrm flipH="1">
+            <a:off x="6124096" y="4677156"/>
+            <a:ext cx="1803879" cy="1163574"/>
+          </a:xfrm>
+          <a:prstGeom prst="line">
+            <a:avLst/>
+          </a:prstGeom>
+          <a:ln>
+            <a:solidFill>
+              <a:schemeClr val="bg2">
+                <a:lumMod val="75000"/>
+              </a:schemeClr>
+            </a:solidFill>
+          </a:ln>
+        </p:spPr>
+        <p:style>
+          <a:lnRef idx="1">
+            <a:schemeClr val="dk1"/>
+          </a:lnRef>
+          <a:fillRef idx="0">
+            <a:schemeClr val="dk1"/>
+          </a:fillRef>
+          <a:effectRef idx="0">
+            <a:schemeClr val="dk1"/>
+          </a:effectRef>
+          <a:fontRef idx="minor">
+            <a:schemeClr val="tx1"/>
+          </a:fontRef>
+        </p:style>
+      </p:cxnSp>
+      <p:cxnSp>
+        <p:nvCxnSpPr>
+          <p:cNvPr id="74" name="直線コネクタ 73">
+            <a:extLst>
+              <a:ext uri="{FF2B5EF4-FFF2-40B4-BE49-F238E27FC236}">
+                <a16:creationId xmlns:a16="http://schemas.microsoft.com/office/drawing/2014/main" id="{A7BA7B55-A2C1-4D82-90C8-EFFD89499E1C}"/>
+              </a:ext>
+            </a:extLst>
+          </p:cNvPr>
+          <p:cNvCxnSpPr>
+            <a:cxnSpLocks/>
+          </p:cNvCxnSpPr>
+          <p:nvPr/>
+        </p:nvCxnSpPr>
+        <p:spPr>
+          <a:xfrm>
+            <a:off x="7927975" y="4677156"/>
+            <a:ext cx="1986009" cy="829564"/>
+          </a:xfrm>
+          <a:prstGeom prst="line">
+            <a:avLst/>
+          </a:prstGeom>
+          <a:ln>
+            <a:solidFill>
+              <a:schemeClr val="bg2">
+                <a:lumMod val="75000"/>
+              </a:schemeClr>
+            </a:solidFill>
+          </a:ln>
+        </p:spPr>
+        <p:style>
+          <a:lnRef idx="1">
+            <a:schemeClr val="dk1"/>
+          </a:lnRef>
+          <a:fillRef idx="0">
+            <a:schemeClr val="dk1"/>
+          </a:fillRef>
+          <a:effectRef idx="0">
+            <a:schemeClr val="dk1"/>
+          </a:effectRef>
+          <a:fontRef idx="minor">
+            <a:schemeClr val="tx1"/>
+          </a:fontRef>
+        </p:style>
+      </p:cxnSp>
+      <p:cxnSp>
+        <p:nvCxnSpPr>
+          <p:cNvPr id="75" name="直線コネクタ 74">
+            <a:extLst>
+              <a:ext uri="{FF2B5EF4-FFF2-40B4-BE49-F238E27FC236}">
+                <a16:creationId xmlns:a16="http://schemas.microsoft.com/office/drawing/2014/main" id="{AA8D8B9D-7918-48F0-9180-2E1349AA3351}"/>
+              </a:ext>
+            </a:extLst>
+          </p:cNvPr>
+          <p:cNvCxnSpPr>
+            <a:cxnSpLocks/>
+          </p:cNvCxnSpPr>
+          <p:nvPr/>
+        </p:nvCxnSpPr>
+        <p:spPr>
+          <a:xfrm flipV="1">
+            <a:off x="7932892" y="3439668"/>
+            <a:ext cx="1753305" cy="1232917"/>
+          </a:xfrm>
+          <a:prstGeom prst="line">
+            <a:avLst/>
+          </a:prstGeom>
+          <a:ln>
+            <a:solidFill>
+              <a:schemeClr val="bg2">
+                <a:lumMod val="75000"/>
+              </a:schemeClr>
+            </a:solidFill>
+          </a:ln>
+        </p:spPr>
+        <p:style>
+          <a:lnRef idx="1">
+            <a:schemeClr val="dk1"/>
+          </a:lnRef>
+          <a:fillRef idx="0">
+            <a:schemeClr val="dk1"/>
+          </a:fillRef>
+          <a:effectRef idx="0">
+            <a:schemeClr val="dk1"/>
+          </a:effectRef>
+          <a:fontRef idx="minor">
+            <a:schemeClr val="tx1"/>
+          </a:fontRef>
+        </p:style>
+      </p:cxnSp>
+      <p:cxnSp>
+        <p:nvCxnSpPr>
+          <p:cNvPr id="76" name="直線コネクタ 75">
+            <a:extLst>
+              <a:ext uri="{FF2B5EF4-FFF2-40B4-BE49-F238E27FC236}">
+                <a16:creationId xmlns:a16="http://schemas.microsoft.com/office/drawing/2014/main" id="{312E4655-0FC0-4F5D-A3EC-C82764A9DEBB}"/>
+              </a:ext>
+            </a:extLst>
+          </p:cNvPr>
+          <p:cNvCxnSpPr>
+            <a:cxnSpLocks/>
+          </p:cNvCxnSpPr>
+          <p:nvPr/>
+        </p:nvCxnSpPr>
+        <p:spPr>
+          <a:xfrm flipV="1">
+            <a:off x="7933831" y="2976372"/>
+            <a:ext cx="1315467" cy="1696214"/>
+          </a:xfrm>
+          <a:prstGeom prst="line">
+            <a:avLst/>
+          </a:prstGeom>
+          <a:ln>
+            <a:solidFill>
+              <a:schemeClr val="bg2">
+                <a:lumMod val="75000"/>
+              </a:schemeClr>
+            </a:solidFill>
+          </a:ln>
+        </p:spPr>
+        <p:style>
+          <a:lnRef idx="1">
+            <a:schemeClr val="dk1"/>
+          </a:lnRef>
+          <a:fillRef idx="0">
+            <a:schemeClr val="dk1"/>
+          </a:fillRef>
+          <a:effectRef idx="0">
+            <a:schemeClr val="dk1"/>
+          </a:effectRef>
+          <a:fontRef idx="minor">
+            <a:schemeClr val="tx1"/>
+          </a:fontRef>
+        </p:style>
+      </p:cxnSp>
+      <p:cxnSp>
+        <p:nvCxnSpPr>
+          <p:cNvPr id="77" name="直線コネクタ 76">
+            <a:extLst>
+              <a:ext uri="{FF2B5EF4-FFF2-40B4-BE49-F238E27FC236}">
+                <a16:creationId xmlns:a16="http://schemas.microsoft.com/office/drawing/2014/main" id="{F6947BC4-5D06-4EDB-86AE-3FA7AEF316EE}"/>
+              </a:ext>
+            </a:extLst>
+          </p:cNvPr>
+          <p:cNvCxnSpPr>
+            <a:cxnSpLocks/>
+          </p:cNvCxnSpPr>
+          <p:nvPr/>
+        </p:nvCxnSpPr>
+        <p:spPr>
+          <a:xfrm>
+            <a:off x="7927974" y="4672584"/>
+            <a:ext cx="1658911" cy="1408430"/>
+          </a:xfrm>
+          <a:prstGeom prst="line">
+            <a:avLst/>
+          </a:prstGeom>
+          <a:ln>
+            <a:solidFill>
+              <a:schemeClr val="bg2">
+                <a:lumMod val="75000"/>
+              </a:schemeClr>
+            </a:solidFill>
+          </a:ln>
+        </p:spPr>
+        <p:style>
+          <a:lnRef idx="1">
+            <a:schemeClr val="dk1"/>
+          </a:lnRef>
+          <a:fillRef idx="0">
+            <a:schemeClr val="dk1"/>
+          </a:fillRef>
+          <a:effectRef idx="0">
+            <a:schemeClr val="dk1"/>
+          </a:effectRef>
+          <a:fontRef idx="minor">
+            <a:schemeClr val="tx1"/>
+          </a:fontRef>
+        </p:style>
+      </p:cxnSp>
+      <p:cxnSp>
+        <p:nvCxnSpPr>
+          <p:cNvPr id="78" name="直線コネクタ 77">
+            <a:extLst>
+              <a:ext uri="{FF2B5EF4-FFF2-40B4-BE49-F238E27FC236}">
+                <a16:creationId xmlns:a16="http://schemas.microsoft.com/office/drawing/2014/main" id="{C308F273-43F3-4091-9C93-1AED6B610043}"/>
+              </a:ext>
+            </a:extLst>
+          </p:cNvPr>
+          <p:cNvCxnSpPr>
+            <a:cxnSpLocks/>
+          </p:cNvCxnSpPr>
+          <p:nvPr/>
+        </p:nvCxnSpPr>
+        <p:spPr>
+          <a:xfrm flipH="1" flipV="1">
+            <a:off x="6179820" y="3435096"/>
+            <a:ext cx="1748152" cy="1237488"/>
+          </a:xfrm>
+          <a:prstGeom prst="line">
+            <a:avLst/>
+          </a:prstGeom>
+          <a:ln>
+            <a:solidFill>
+              <a:schemeClr val="bg2">
+                <a:lumMod val="75000"/>
+              </a:schemeClr>
+            </a:solidFill>
+          </a:ln>
+        </p:spPr>
+        <p:style>
+          <a:lnRef idx="1">
+            <a:schemeClr val="dk1"/>
+          </a:lnRef>
+          <a:fillRef idx="0">
+            <a:schemeClr val="dk1"/>
+          </a:fillRef>
+          <a:effectRef idx="0">
+            <a:schemeClr val="dk1"/>
+          </a:effectRef>
+          <a:fontRef idx="minor">
+            <a:schemeClr val="tx1"/>
+          </a:fontRef>
+        </p:style>
+      </p:cxnSp>
+      <p:cxnSp>
+        <p:nvCxnSpPr>
+          <p:cNvPr id="79" name="直線コネクタ 78">
+            <a:extLst>
+              <a:ext uri="{FF2B5EF4-FFF2-40B4-BE49-F238E27FC236}">
+                <a16:creationId xmlns:a16="http://schemas.microsoft.com/office/drawing/2014/main" id="{A86D7A4C-B72B-43BD-B34F-930B7EC280E0}"/>
+              </a:ext>
+            </a:extLst>
+          </p:cNvPr>
+          <p:cNvCxnSpPr>
+            <a:cxnSpLocks/>
+          </p:cNvCxnSpPr>
+          <p:nvPr/>
+        </p:nvCxnSpPr>
+        <p:spPr>
+          <a:xfrm flipH="1">
+            <a:off x="5834792" y="4675632"/>
+            <a:ext cx="2083781" cy="504444"/>
+          </a:xfrm>
+          <a:prstGeom prst="line">
+            <a:avLst/>
+          </a:prstGeom>
+          <a:ln>
+            <a:solidFill>
+              <a:schemeClr val="bg2">
+                <a:lumMod val="75000"/>
+              </a:schemeClr>
+            </a:solidFill>
+          </a:ln>
+        </p:spPr>
+        <p:style>
+          <a:lnRef idx="1">
+            <a:schemeClr val="dk1"/>
+          </a:lnRef>
+          <a:fillRef idx="0">
+            <a:schemeClr val="dk1"/>
+          </a:fillRef>
+          <a:effectRef idx="0">
+            <a:schemeClr val="dk1"/>
+          </a:effectRef>
+          <a:fontRef idx="minor">
+            <a:schemeClr val="tx1"/>
+          </a:fontRef>
+        </p:style>
+      </p:cxnSp>
+      <p:cxnSp>
+        <p:nvCxnSpPr>
+          <p:cNvPr id="80" name="直線コネクタ 79">
+            <a:extLst>
+              <a:ext uri="{FF2B5EF4-FFF2-40B4-BE49-F238E27FC236}">
+                <a16:creationId xmlns:a16="http://schemas.microsoft.com/office/drawing/2014/main" id="{BE4A294E-8EDC-4812-8FDB-82CE29A64E0F}"/>
+              </a:ext>
+            </a:extLst>
+          </p:cNvPr>
+          <p:cNvCxnSpPr>
+            <a:cxnSpLocks/>
+          </p:cNvCxnSpPr>
+          <p:nvPr/>
+        </p:nvCxnSpPr>
+        <p:spPr>
+          <a:xfrm flipV="1">
+            <a:off x="7927974" y="3879596"/>
+            <a:ext cx="1991043" cy="788416"/>
+          </a:xfrm>
+          <a:prstGeom prst="line">
+            <a:avLst/>
+          </a:prstGeom>
+          <a:ln>
+            <a:solidFill>
+              <a:schemeClr val="bg2">
+                <a:lumMod val="75000"/>
+              </a:schemeClr>
+            </a:solidFill>
+          </a:ln>
+        </p:spPr>
+        <p:style>
+          <a:lnRef idx="1">
+            <a:schemeClr val="dk1"/>
+          </a:lnRef>
+          <a:fillRef idx="0">
+            <a:schemeClr val="dk1"/>
+          </a:fillRef>
+          <a:effectRef idx="0">
+            <a:schemeClr val="dk1"/>
+          </a:effectRef>
+          <a:fontRef idx="minor">
+            <a:schemeClr val="tx1"/>
+          </a:fontRef>
+        </p:style>
+      </p:cxnSp>
+      <p:cxnSp>
+        <p:nvCxnSpPr>
+          <p:cNvPr id="81" name="直線コネクタ 80">
+            <a:extLst>
+              <a:ext uri="{FF2B5EF4-FFF2-40B4-BE49-F238E27FC236}">
+                <a16:creationId xmlns:a16="http://schemas.microsoft.com/office/drawing/2014/main" id="{B224BF20-A1B2-4A5C-BBAF-07BEBD434DDC}"/>
+              </a:ext>
+            </a:extLst>
+          </p:cNvPr>
+          <p:cNvCxnSpPr>
+            <a:cxnSpLocks/>
+          </p:cNvCxnSpPr>
+          <p:nvPr/>
+        </p:nvCxnSpPr>
+        <p:spPr>
+          <a:xfrm flipH="1" flipV="1">
+            <a:off x="7778113" y="2522474"/>
+            <a:ext cx="169132" cy="2120646"/>
+          </a:xfrm>
+          <a:prstGeom prst="line">
+            <a:avLst/>
+          </a:prstGeom>
+          <a:ln>
+            <a:solidFill>
+              <a:schemeClr val="bg2">
+                <a:lumMod val="75000"/>
+              </a:schemeClr>
+            </a:solidFill>
+          </a:ln>
+        </p:spPr>
+        <p:style>
+          <a:lnRef idx="1">
+            <a:schemeClr val="dk1"/>
+          </a:lnRef>
+          <a:fillRef idx="0">
+            <a:schemeClr val="dk1"/>
+          </a:fillRef>
+          <a:effectRef idx="0">
+            <a:schemeClr val="dk1"/>
+          </a:effectRef>
+          <a:fontRef idx="minor">
+            <a:schemeClr val="tx1"/>
+          </a:fontRef>
+        </p:style>
+      </p:cxnSp>
+      <p:cxnSp>
+        <p:nvCxnSpPr>
+          <p:cNvPr id="82" name="直線コネクタ 81">
+            <a:extLst>
+              <a:ext uri="{FF2B5EF4-FFF2-40B4-BE49-F238E27FC236}">
+                <a16:creationId xmlns:a16="http://schemas.microsoft.com/office/drawing/2014/main" id="{9EB18723-E3B3-47C3-82A9-8C0C4E75F911}"/>
+              </a:ext>
+            </a:extLst>
+          </p:cNvPr>
+          <p:cNvCxnSpPr>
+            <a:cxnSpLocks/>
+          </p:cNvCxnSpPr>
+          <p:nvPr/>
+        </p:nvCxnSpPr>
+        <p:spPr>
+          <a:xfrm flipV="1">
+            <a:off x="7927974" y="2550668"/>
+            <a:ext cx="343630" cy="2117344"/>
+          </a:xfrm>
+          <a:prstGeom prst="line">
+            <a:avLst/>
+          </a:prstGeom>
+          <a:ln>
+            <a:solidFill>
+              <a:schemeClr val="bg2">
+                <a:lumMod val="75000"/>
+              </a:schemeClr>
+            </a:solidFill>
+          </a:ln>
+        </p:spPr>
+        <p:style>
+          <a:lnRef idx="1">
+            <a:schemeClr val="dk1"/>
+          </a:lnRef>
+          <a:fillRef idx="0">
+            <a:schemeClr val="dk1"/>
+          </a:fillRef>
+          <a:effectRef idx="0">
+            <a:schemeClr val="dk1"/>
+          </a:effectRef>
+          <a:fontRef idx="minor">
+            <a:schemeClr val="tx1"/>
+          </a:fontRef>
+        </p:style>
+      </p:cxnSp>
+      <p:cxnSp>
+        <p:nvCxnSpPr>
+          <p:cNvPr id="83" name="直線コネクタ 82">
+            <a:extLst>
+              <a:ext uri="{FF2B5EF4-FFF2-40B4-BE49-F238E27FC236}">
+                <a16:creationId xmlns:a16="http://schemas.microsoft.com/office/drawing/2014/main" id="{93768B60-B01D-4B4F-94FE-7A15A5643092}"/>
+              </a:ext>
+            </a:extLst>
+          </p:cNvPr>
+          <p:cNvCxnSpPr>
+            <a:cxnSpLocks/>
+          </p:cNvCxnSpPr>
+          <p:nvPr/>
+        </p:nvCxnSpPr>
+        <p:spPr>
+          <a:xfrm flipV="1">
+            <a:off x="7927974" y="4468368"/>
+            <a:ext cx="346430" cy="215902"/>
+          </a:xfrm>
+          <a:prstGeom prst="line">
+            <a:avLst/>
+          </a:prstGeom>
+          <a:ln w="28575">
+            <a:solidFill>
+              <a:schemeClr val="tx1"/>
+            </a:solidFill>
+          </a:ln>
+        </p:spPr>
+        <p:style>
+          <a:lnRef idx="1">
+            <a:schemeClr val="dk1"/>
+          </a:lnRef>
+          <a:fillRef idx="0">
+            <a:schemeClr val="dk1"/>
+          </a:fillRef>
+          <a:effectRef idx="0">
+            <a:schemeClr val="dk1"/>
+          </a:effectRef>
+          <a:fontRef idx="minor">
+            <a:schemeClr val="tx1"/>
+          </a:fontRef>
+        </p:style>
+      </p:cxnSp>
+      <p:cxnSp>
+        <p:nvCxnSpPr>
+          <p:cNvPr id="93" name="直線コネクタ 92">
+            <a:extLst>
+              <a:ext uri="{FF2B5EF4-FFF2-40B4-BE49-F238E27FC236}">
+                <a16:creationId xmlns:a16="http://schemas.microsoft.com/office/drawing/2014/main" id="{61D4256C-94D3-4586-8D80-D937C194B836}"/>
+              </a:ext>
+            </a:extLst>
+          </p:cNvPr>
+          <p:cNvCxnSpPr>
+            <a:cxnSpLocks/>
+          </p:cNvCxnSpPr>
+          <p:nvPr/>
+        </p:nvCxnSpPr>
+        <p:spPr>
+          <a:xfrm>
+            <a:off x="7918573" y="4690872"/>
+            <a:ext cx="2048835" cy="694944"/>
+          </a:xfrm>
+          <a:prstGeom prst="line">
+            <a:avLst/>
+          </a:prstGeom>
+          <a:ln>
+            <a:solidFill>
+              <a:schemeClr val="bg2">
+                <a:lumMod val="75000"/>
+              </a:schemeClr>
+            </a:solidFill>
+          </a:ln>
+        </p:spPr>
+        <p:style>
+          <a:lnRef idx="1">
+            <a:schemeClr val="dk1"/>
+          </a:lnRef>
+          <a:fillRef idx="0">
+            <a:schemeClr val="dk1"/>
+          </a:fillRef>
+          <a:effectRef idx="0">
+            <a:schemeClr val="dk1"/>
+          </a:effectRef>
+          <a:fontRef idx="minor">
+            <a:schemeClr val="tx1"/>
+          </a:fontRef>
+        </p:style>
+      </p:cxnSp>
+      <p:cxnSp>
+        <p:nvCxnSpPr>
+          <p:cNvPr id="94" name="直線コネクタ 93">
+            <a:extLst>
+              <a:ext uri="{FF2B5EF4-FFF2-40B4-BE49-F238E27FC236}">
+                <a16:creationId xmlns:a16="http://schemas.microsoft.com/office/drawing/2014/main" id="{AF25E11B-DA42-4433-A2D6-7258CA4EFECD}"/>
+              </a:ext>
+            </a:extLst>
+          </p:cNvPr>
+          <p:cNvCxnSpPr>
+            <a:cxnSpLocks/>
+          </p:cNvCxnSpPr>
+          <p:nvPr/>
+        </p:nvCxnSpPr>
+        <p:spPr>
+          <a:xfrm flipV="1">
+            <a:off x="7927971" y="3281172"/>
+            <a:ext cx="1626127" cy="1386840"/>
+          </a:xfrm>
+          <a:prstGeom prst="line">
+            <a:avLst/>
+          </a:prstGeom>
+          <a:ln>
+            <a:solidFill>
+              <a:schemeClr val="bg2">
+                <a:lumMod val="75000"/>
+              </a:schemeClr>
+            </a:solidFill>
+          </a:ln>
+        </p:spPr>
+        <p:style>
+          <a:lnRef idx="1">
+            <a:schemeClr val="dk1"/>
+          </a:lnRef>
+          <a:fillRef idx="0">
+            <a:schemeClr val="dk1"/>
+          </a:fillRef>
+          <a:effectRef idx="0">
+            <a:schemeClr val="dk1"/>
+          </a:effectRef>
+          <a:fontRef idx="minor">
+            <a:schemeClr val="tx1"/>
+          </a:fontRef>
+        </p:style>
+      </p:cxnSp>
+      <p:cxnSp>
+        <p:nvCxnSpPr>
+          <p:cNvPr id="95" name="直線コネクタ 94">
+            <a:extLst>
+              <a:ext uri="{FF2B5EF4-FFF2-40B4-BE49-F238E27FC236}">
+                <a16:creationId xmlns:a16="http://schemas.microsoft.com/office/drawing/2014/main" id="{6E0D7B72-FBB2-49D0-947F-3686CD5A9165}"/>
+              </a:ext>
+            </a:extLst>
+          </p:cNvPr>
+          <p:cNvCxnSpPr>
+            <a:cxnSpLocks/>
+          </p:cNvCxnSpPr>
+          <p:nvPr/>
+        </p:nvCxnSpPr>
+        <p:spPr>
+          <a:xfrm flipH="1" flipV="1">
+            <a:off x="7600872" y="2548129"/>
+            <a:ext cx="345899" cy="2127503"/>
+          </a:xfrm>
+          <a:prstGeom prst="line">
+            <a:avLst/>
+          </a:prstGeom>
+          <a:ln>
+            <a:solidFill>
+              <a:schemeClr val="bg2">
+                <a:lumMod val="75000"/>
+              </a:schemeClr>
+            </a:solidFill>
+          </a:ln>
+        </p:spPr>
+        <p:style>
+          <a:lnRef idx="1">
+            <a:schemeClr val="dk1"/>
+          </a:lnRef>
+          <a:fillRef idx="0">
+            <a:schemeClr val="dk1"/>
+          </a:fillRef>
+          <a:effectRef idx="0">
+            <a:schemeClr val="dk1"/>
+          </a:effectRef>
+          <a:fontRef idx="minor">
+            <a:schemeClr val="tx1"/>
+          </a:fontRef>
+        </p:style>
+      </p:cxnSp>
+      <p:cxnSp>
+        <p:nvCxnSpPr>
+          <p:cNvPr id="96" name="直線コネクタ 95">
+            <a:extLst>
+              <a:ext uri="{FF2B5EF4-FFF2-40B4-BE49-F238E27FC236}">
+                <a16:creationId xmlns:a16="http://schemas.microsoft.com/office/drawing/2014/main" id="{567257A8-A72C-4D70-9E4B-3AC2433DB1EA}"/>
+              </a:ext>
+            </a:extLst>
+          </p:cNvPr>
+          <p:cNvCxnSpPr>
+            <a:cxnSpLocks/>
+          </p:cNvCxnSpPr>
+          <p:nvPr/>
+        </p:nvCxnSpPr>
+        <p:spPr>
+          <a:xfrm flipH="1">
+            <a:off x="7316616" y="4668012"/>
+            <a:ext cx="620756" cy="2075688"/>
+          </a:xfrm>
+          <a:prstGeom prst="line">
+            <a:avLst/>
+          </a:prstGeom>
+          <a:ln>
+            <a:solidFill>
+              <a:schemeClr val="bg2">
+                <a:lumMod val="75000"/>
+              </a:schemeClr>
+            </a:solidFill>
+          </a:ln>
+        </p:spPr>
+        <p:style>
+          <a:lnRef idx="1">
+            <a:schemeClr val="dk1"/>
+          </a:lnRef>
+          <a:fillRef idx="0">
+            <a:schemeClr val="dk1"/>
+          </a:fillRef>
+          <a:effectRef idx="0">
+            <a:schemeClr val="dk1"/>
+          </a:effectRef>
+          <a:fontRef idx="minor">
+            <a:schemeClr val="tx1"/>
+          </a:fontRef>
+        </p:style>
+      </p:cxnSp>
+    </p:spTree>
+    <p:extLst>
+      <p:ext uri="{BB962C8B-B14F-4D97-AF65-F5344CB8AC3E}">
+        <p14:creationId xmlns:p14="http://schemas.microsoft.com/office/powerpoint/2010/main" val="2654559433"/>
       </p:ext>
     </p:extLst>
   </p:cSld>
